--- a/Formation Git.pptx
+++ b/Formation Git.pptx
@@ -339,7 +339,7 @@
       <p15:sldGuideLst xmlns:p15="http://schemas.microsoft.com/office/powerpoint/2012/main"/>
     </p:ext>
     <p:ext uri="http://customooxmlschemas.google.com/">
-      <go:slidesCustomData xmlns="" xmlns:mc="http://schemas.openxmlformats.org/markup-compatibility/2006" xmlns:mv="urn:schemas-microsoft-com:mac:vml" xmlns:c="http://schemas.openxmlformats.org/drawingml/2006/chart" xmlns:dgm="http://schemas.openxmlformats.org/drawingml/2006/diagram" xmlns:o="urn:schemas-microsoft-com:office:office" xmlns:v="urn:schemas-microsoft-com:vml" xmlns:pvml="urn:schemas-microsoft-com:office:powerpoint" xmlns:com="http://schemas.openxmlformats.org/drawingml/2006/compatibility" xmlns:p14="http://schemas.microsoft.com/office/powerpoint/2010/main" xmlns:p15="http://schemas.microsoft.com/office/powerpoint/2012/main" xmlns:ahyp="http://schemas.microsoft.com/office/drawing/2018/hyperlinkcolor" xmlns:go="http://customooxmlschemas.google.com/" r:id="rId39" roundtripDataSignature="AMtx7mjBspUTouoG0pnpyNBE4wiR3RaCNg=="/>
+      <go:slidesCustomData xmlns:go="http://customooxmlschemas.google.com/" xmlns:ahyp="http://schemas.microsoft.com/office/drawing/2018/hyperlinkcolor" xmlns:p15="http://schemas.microsoft.com/office/powerpoint/2012/main" xmlns:p14="http://schemas.microsoft.com/office/powerpoint/2010/main" xmlns:com="http://schemas.openxmlformats.org/drawingml/2006/compatibility" xmlns:pvml="urn:schemas-microsoft-com:office:powerpoint" xmlns:v="urn:schemas-microsoft-com:vml" xmlns:o="urn:schemas-microsoft-com:office:office" xmlns:dgm="http://schemas.openxmlformats.org/drawingml/2006/diagram" xmlns:c="http://schemas.openxmlformats.org/drawingml/2006/chart" xmlns:mv="urn:schemas-microsoft-com:mac:vml" xmlns:mc="http://schemas.openxmlformats.org/markup-compatibility/2006" xmlns="" r:id="rId39" roundtripDataSignature="AMtx7mjBspUTouoG0pnpyNBE4wiR3RaCNg=="/>
     </p:ext>
   </p:extLst>
 </p:presentation>
@@ -21948,7 +21948,7 @@
         <p:spPr>
           <a:xfrm>
             <a:off x="623455" y="5263904"/>
-            <a:ext cx="10885054" cy="523220"/>
+            <a:ext cx="10885054" cy="738664"/>
           </a:xfrm>
           <a:prstGeom prst="rect">
             <a:avLst/>
@@ -21973,6 +21973,12 @@
             <a:r>
               <a:rPr lang="en-BE" b="1" dirty="0"/>
               <a:t>Command</a:t>
+            </a:r>
+          </a:p>
+          <a:p>
+            <a:r>
+              <a:rPr lang="en-BE" dirty="0"/>
+              <a:t>git fetch = check if there are changes on the remote repository that are not on the local repository</a:t>
             </a:r>
           </a:p>
           <a:p>
@@ -22649,6 +22655,41 @@
           </a:p>
         </p:txBody>
       </p:sp>
+      <p:sp>
+        <p:nvSpPr>
+          <p:cNvPr id="3" name="TextBox 2">
+            <a:extLst>
+              <a:ext uri="{FF2B5EF4-FFF2-40B4-BE49-F238E27FC236}">
+                <a16:creationId xmlns:a16="http://schemas.microsoft.com/office/drawing/2014/main" id="{98353943-06F5-4ED4-76ED-4B639F7A8BA9}"/>
+              </a:ext>
+            </a:extLst>
+          </p:cNvPr>
+          <p:cNvSpPr txBox="1"/>
+          <p:nvPr/>
+        </p:nvSpPr>
+        <p:spPr>
+          <a:xfrm>
+            <a:off x="5878944" y="1258600"/>
+            <a:ext cx="1395664" cy="400110"/>
+          </a:xfrm>
+          <a:prstGeom prst="rect">
+            <a:avLst/>
+          </a:prstGeom>
+          <a:noFill/>
+        </p:spPr>
+        <p:txBody>
+          <a:bodyPr wrap="square" rtlCol="0">
+            <a:spAutoFit/>
+          </a:bodyPr>
+          <a:lstStyle/>
+          <a:p>
+            <a:r>
+              <a:rPr lang="en-BE" sz="2000" dirty="0"/>
+              <a:t>git fetch</a:t>
+            </a:r>
+          </a:p>
+        </p:txBody>
+      </p:sp>
     </p:spTree>
     <p:extLst>
       <p:ext uri="{BB962C8B-B14F-4D97-AF65-F5344CB8AC3E}">
@@ -22683,58 +22724,259 @@
                             </p:stCondLst>
                             <p:childTnLst>
                               <p:par>
-                                <p:cTn id="5" presetID="37" presetClass="path" presetSubtype="0" accel="50000" decel="50000" fill="hold" grpId="0" nodeType="afterEffect">
-                                  <p:stCondLst>
-                                    <p:cond delay="0"/>
-                                  </p:stCondLst>
-                                  <p:childTnLst>
-                                    <p:animMotion origin="layout" path="M 1.25E-6 -7.40741E-7 L -0.12682 0.01296 C -0.15326 0.01574 -0.19297 0.01759 -0.23438 0.01759 C -0.2819 0.01759 -0.31966 0.01574 -0.34609 0.01296 L -0.47305 -7.40741E-7 " pathEditMode="relative" rAng="0" ptsTypes="AAAAA">
-                                      <p:cBhvr>
-                                        <p:cTn id="6" dur="2000" fill="hold"/>
-                                        <p:tgtEl>
-                                          <p:spTgt spid="16"/>
-                                        </p:tgtEl>
-                                        <p:attrNameLst>
-                                          <p:attrName>ppt_x</p:attrName>
-                                          <p:attrName>ppt_y</p:attrName>
-                                        </p:attrNameLst>
-                                      </p:cBhvr>
-                                      <p:rCtr x="-23659" y="880"/>
-                                    </p:animMotion>
-                                  </p:childTnLst>
-                                </p:cTn>
-                              </p:par>
-                              <p:par>
-                                <p:cTn id="7" presetID="37" presetClass="path" presetSubtype="0" accel="50000" decel="50000" fill="hold" grpId="0" nodeType="withEffect">
-                                  <p:stCondLst>
-                                    <p:cond delay="0"/>
-                                  </p:stCondLst>
-                                  <p:childTnLst>
-                                    <p:animMotion origin="layout" path="M -3.95833E-6 -3.33333E-6 L -0.12565 0.03287 C -0.15208 0.04051 -0.19153 0.04491 -0.23255 0.04491 C -0.27955 0.04491 -0.31705 0.04051 -0.34349 0.03287 L -0.4694 -3.33333E-6 " pathEditMode="relative" rAng="0" ptsTypes="AAAAA">
-                                      <p:cBhvr>
-                                        <p:cTn id="8" dur="2000" fill="hold"/>
-                                        <p:tgtEl>
-                                          <p:spTgt spid="17"/>
-                                        </p:tgtEl>
-                                        <p:attrNameLst>
-                                          <p:attrName>ppt_x</p:attrName>
-                                          <p:attrName>ppt_y</p:attrName>
-                                        </p:attrNameLst>
-                                      </p:cBhvr>
-                                      <p:rCtr x="-23477" y="2245"/>
-                                    </p:animMotion>
-                                  </p:childTnLst>
-                                </p:cTn>
-                              </p:par>
-                              <p:par>
-                                <p:cTn id="9" presetID="53" presetClass="entr" presetSubtype="16" fill="hold" grpId="0" nodeType="withEffect">
+                                <p:cTn id="5" presetID="53" presetClass="entr" presetSubtype="16" fill="hold" grpId="0" nodeType="afterEffect">
                                   <p:stCondLst>
                                     <p:cond delay="0"/>
                                   </p:stCondLst>
                                   <p:childTnLst>
                                     <p:set>
                                       <p:cBhvr>
-                                        <p:cTn id="10" dur="1" fill="hold">
+                                        <p:cTn id="6" dur="1" fill="hold">
+                                          <p:stCondLst>
+                                            <p:cond delay="0"/>
+                                          </p:stCondLst>
+                                        </p:cTn>
+                                        <p:tgtEl>
+                                          <p:spTgt spid="3"/>
+                                        </p:tgtEl>
+                                        <p:attrNameLst>
+                                          <p:attrName>style.visibility</p:attrName>
+                                        </p:attrNameLst>
+                                      </p:cBhvr>
+                                      <p:to>
+                                        <p:strVal val="visible"/>
+                                      </p:to>
+                                    </p:set>
+                                    <p:anim calcmode="lin" valueType="num">
+                                      <p:cBhvr>
+                                        <p:cTn id="7" dur="500" fill="hold"/>
+                                        <p:tgtEl>
+                                          <p:spTgt spid="3"/>
+                                        </p:tgtEl>
+                                        <p:attrNameLst>
+                                          <p:attrName>ppt_w</p:attrName>
+                                        </p:attrNameLst>
+                                      </p:cBhvr>
+                                      <p:tavLst>
+                                        <p:tav tm="0">
+                                          <p:val>
+                                            <p:fltVal val="0"/>
+                                          </p:val>
+                                        </p:tav>
+                                        <p:tav tm="100000">
+                                          <p:val>
+                                            <p:strVal val="#ppt_w"/>
+                                          </p:val>
+                                        </p:tav>
+                                      </p:tavLst>
+                                    </p:anim>
+                                    <p:anim calcmode="lin" valueType="num">
+                                      <p:cBhvr>
+                                        <p:cTn id="8" dur="500" fill="hold"/>
+                                        <p:tgtEl>
+                                          <p:spTgt spid="3"/>
+                                        </p:tgtEl>
+                                        <p:attrNameLst>
+                                          <p:attrName>ppt_h</p:attrName>
+                                        </p:attrNameLst>
+                                      </p:cBhvr>
+                                      <p:tavLst>
+                                        <p:tav tm="0">
+                                          <p:val>
+                                            <p:fltVal val="0"/>
+                                          </p:val>
+                                        </p:tav>
+                                        <p:tav tm="100000">
+                                          <p:val>
+                                            <p:strVal val="#ppt_h"/>
+                                          </p:val>
+                                        </p:tav>
+                                      </p:tavLst>
+                                    </p:anim>
+                                    <p:animEffect transition="in" filter="fade">
+                                      <p:cBhvr>
+                                        <p:cTn id="9" dur="500"/>
+                                        <p:tgtEl>
+                                          <p:spTgt spid="3"/>
+                                        </p:tgtEl>
+                                      </p:cBhvr>
+                                    </p:animEffect>
+                                  </p:childTnLst>
+                                </p:cTn>
+                              </p:par>
+                              <p:par>
+                                <p:cTn id="10" presetID="2" presetClass="entr" presetSubtype="4" fill="hold" grpId="1" nodeType="withEffect">
+                                  <p:stCondLst>
+                                    <p:cond delay="0"/>
+                                  </p:stCondLst>
+                                  <p:childTnLst>
+                                    <p:set>
+                                      <p:cBhvr>
+                                        <p:cTn id="11" dur="1" fill="hold">
+                                          <p:stCondLst>
+                                            <p:cond delay="0"/>
+                                          </p:stCondLst>
+                                        </p:cTn>
+                                        <p:tgtEl>
+                                          <p:spTgt spid="16"/>
+                                        </p:tgtEl>
+                                        <p:attrNameLst>
+                                          <p:attrName>style.visibility</p:attrName>
+                                        </p:attrNameLst>
+                                      </p:cBhvr>
+                                      <p:to>
+                                        <p:strVal val="visible"/>
+                                      </p:to>
+                                    </p:set>
+                                    <p:anim calcmode="lin" valueType="num">
+                                      <p:cBhvr additive="base">
+                                        <p:cTn id="12" dur="500" fill="hold"/>
+                                        <p:tgtEl>
+                                          <p:spTgt spid="16"/>
+                                        </p:tgtEl>
+                                        <p:attrNameLst>
+                                          <p:attrName>ppt_x</p:attrName>
+                                        </p:attrNameLst>
+                                      </p:cBhvr>
+                                      <p:tavLst>
+                                        <p:tav tm="0">
+                                          <p:val>
+                                            <p:strVal val="#ppt_x"/>
+                                          </p:val>
+                                        </p:tav>
+                                        <p:tav tm="100000">
+                                          <p:val>
+                                            <p:strVal val="#ppt_x"/>
+                                          </p:val>
+                                        </p:tav>
+                                      </p:tavLst>
+                                    </p:anim>
+                                    <p:anim calcmode="lin" valueType="num">
+                                      <p:cBhvr additive="base">
+                                        <p:cTn id="13" dur="500" fill="hold"/>
+                                        <p:tgtEl>
+                                          <p:spTgt spid="16"/>
+                                        </p:tgtEl>
+                                        <p:attrNameLst>
+                                          <p:attrName>ppt_y</p:attrName>
+                                        </p:attrNameLst>
+                                      </p:cBhvr>
+                                      <p:tavLst>
+                                        <p:tav tm="0">
+                                          <p:val>
+                                            <p:strVal val="1+#ppt_h/2"/>
+                                          </p:val>
+                                        </p:tav>
+                                        <p:tav tm="100000">
+                                          <p:val>
+                                            <p:strVal val="#ppt_y"/>
+                                          </p:val>
+                                        </p:tav>
+                                      </p:tavLst>
+                                    </p:anim>
+                                  </p:childTnLst>
+                                </p:cTn>
+                              </p:par>
+                              <p:par>
+                                <p:cTn id="14" presetID="2" presetClass="entr" presetSubtype="4" fill="hold" grpId="1" nodeType="withEffect">
+                                  <p:stCondLst>
+                                    <p:cond delay="0"/>
+                                  </p:stCondLst>
+                                  <p:childTnLst>
+                                    <p:set>
+                                      <p:cBhvr>
+                                        <p:cTn id="15" dur="1" fill="hold">
+                                          <p:stCondLst>
+                                            <p:cond delay="0"/>
+                                          </p:stCondLst>
+                                        </p:cTn>
+                                        <p:tgtEl>
+                                          <p:spTgt spid="17"/>
+                                        </p:tgtEl>
+                                        <p:attrNameLst>
+                                          <p:attrName>style.visibility</p:attrName>
+                                        </p:attrNameLst>
+                                      </p:cBhvr>
+                                      <p:to>
+                                        <p:strVal val="visible"/>
+                                      </p:to>
+                                    </p:set>
+                                    <p:anim calcmode="lin" valueType="num">
+                                      <p:cBhvr additive="base">
+                                        <p:cTn id="16" dur="500" fill="hold"/>
+                                        <p:tgtEl>
+                                          <p:spTgt spid="17"/>
+                                        </p:tgtEl>
+                                        <p:attrNameLst>
+                                          <p:attrName>ppt_x</p:attrName>
+                                        </p:attrNameLst>
+                                      </p:cBhvr>
+                                      <p:tavLst>
+                                        <p:tav tm="0">
+                                          <p:val>
+                                            <p:strVal val="#ppt_x"/>
+                                          </p:val>
+                                        </p:tav>
+                                        <p:tav tm="100000">
+                                          <p:val>
+                                            <p:strVal val="#ppt_x"/>
+                                          </p:val>
+                                        </p:tav>
+                                      </p:tavLst>
+                                    </p:anim>
+                                    <p:anim calcmode="lin" valueType="num">
+                                      <p:cBhvr additive="base">
+                                        <p:cTn id="17" dur="500" fill="hold"/>
+                                        <p:tgtEl>
+                                          <p:spTgt spid="17"/>
+                                        </p:tgtEl>
+                                        <p:attrNameLst>
+                                          <p:attrName>ppt_y</p:attrName>
+                                        </p:attrNameLst>
+                                      </p:cBhvr>
+                                      <p:tavLst>
+                                        <p:tav tm="0">
+                                          <p:val>
+                                            <p:strVal val="1+#ppt_h/2"/>
+                                          </p:val>
+                                        </p:tav>
+                                        <p:tav tm="100000">
+                                          <p:val>
+                                            <p:strVal val="#ppt_y"/>
+                                          </p:val>
+                                        </p:tav>
+                                      </p:tavLst>
+                                    </p:anim>
+                                  </p:childTnLst>
+                                </p:cTn>
+                              </p:par>
+                            </p:childTnLst>
+                          </p:cTn>
+                        </p:par>
+                      </p:childTnLst>
+                    </p:cTn>
+                  </p:par>
+                  <p:par>
+                    <p:cTn id="18" fill="hold">
+                      <p:stCondLst>
+                        <p:cond delay="indefinite"/>
+                      </p:stCondLst>
+                      <p:childTnLst>
+                        <p:par>
+                          <p:cTn id="19" fill="hold">
+                            <p:stCondLst>
+                              <p:cond delay="0"/>
+                            </p:stCondLst>
+                            <p:childTnLst>
+                              <p:par>
+                                <p:cTn id="20" presetID="53" presetClass="entr" presetSubtype="16" fill="hold" grpId="0" nodeType="clickEffect">
+                                  <p:stCondLst>
+                                    <p:cond delay="0"/>
+                                  </p:stCondLst>
+                                  <p:childTnLst>
+                                    <p:set>
+                                      <p:cBhvr>
+                                        <p:cTn id="21" dur="1" fill="hold">
                                           <p:stCondLst>
                                             <p:cond delay="0"/>
                                           </p:stCondLst>
@@ -22752,7 +22994,7 @@
                                     </p:set>
                                     <p:anim calcmode="lin" valueType="num">
                                       <p:cBhvr>
-                                        <p:cTn id="11" dur="500" fill="hold"/>
+                                        <p:cTn id="22" dur="500" fill="hold"/>
                                         <p:tgtEl>
                                           <p:spTgt spid="6"/>
                                         </p:tgtEl>
@@ -22775,7 +23017,7 @@
                                     </p:anim>
                                     <p:anim calcmode="lin" valueType="num">
                                       <p:cBhvr>
-                                        <p:cTn id="12" dur="500" fill="hold"/>
+                                        <p:cTn id="23" dur="500" fill="hold"/>
                                         <p:tgtEl>
                                           <p:spTgt spid="6"/>
                                         </p:tgtEl>
@@ -22798,7 +23040,7 @@
                                     </p:anim>
                                     <p:animEffect transition="in" filter="fade">
                                       <p:cBhvr>
-                                        <p:cTn id="13" dur="500"/>
+                                        <p:cTn id="24" dur="500"/>
                                         <p:tgtEl>
                                           <p:spTgt spid="6"/>
                                         </p:tgtEl>
@@ -22810,30 +23052,83 @@
                             </p:childTnLst>
                           </p:cTn>
                         </p:par>
+                        <p:par>
+                          <p:cTn id="25" fill="hold">
+                            <p:stCondLst>
+                              <p:cond delay="500"/>
+                            </p:stCondLst>
+                            <p:childTnLst>
+                              <p:par>
+                                <p:cTn id="26" presetID="37" presetClass="path" presetSubtype="0" accel="50000" decel="50000" fill="hold" grpId="0" nodeType="afterEffect">
+                                  <p:stCondLst>
+                                    <p:cond delay="0"/>
+                                  </p:stCondLst>
+                                  <p:childTnLst>
+                                    <p:animMotion origin="layout" path="M 1.25E-6 -7.40741E-7 L -0.12682 0.01296 C -0.15326 0.01574 -0.19297 0.01759 -0.23438 0.01759 C -0.2819 0.01759 -0.31966 0.01574 -0.34609 0.01296 L -0.47305 -7.40741E-7 " pathEditMode="relative" rAng="0" ptsTypes="AAAAA">
+                                      <p:cBhvr>
+                                        <p:cTn id="27" dur="2000" fill="hold"/>
+                                        <p:tgtEl>
+                                          <p:spTgt spid="16"/>
+                                        </p:tgtEl>
+                                        <p:attrNameLst>
+                                          <p:attrName>ppt_x</p:attrName>
+                                          <p:attrName>ppt_y</p:attrName>
+                                        </p:attrNameLst>
+                                      </p:cBhvr>
+                                      <p:rCtr x="-23659" y="880"/>
+                                    </p:animMotion>
+                                  </p:childTnLst>
+                                </p:cTn>
+                              </p:par>
+                              <p:par>
+                                <p:cTn id="28" presetID="37" presetClass="path" presetSubtype="0" accel="50000" decel="50000" fill="hold" grpId="0" nodeType="withEffect">
+                                  <p:stCondLst>
+                                    <p:cond delay="0"/>
+                                  </p:stCondLst>
+                                  <p:childTnLst>
+                                    <p:animMotion origin="layout" path="M -3.95833E-6 -3.33333E-6 L -0.12565 0.03287 C -0.15208 0.04051 -0.19153 0.04491 -0.23255 0.04491 C -0.27955 0.04491 -0.31705 0.04051 -0.34349 0.03287 L -0.4694 -3.33333E-6 " pathEditMode="relative" rAng="0" ptsTypes="AAAAA">
+                                      <p:cBhvr>
+                                        <p:cTn id="29" dur="2000" fill="hold"/>
+                                        <p:tgtEl>
+                                          <p:spTgt spid="17"/>
+                                        </p:tgtEl>
+                                        <p:attrNameLst>
+                                          <p:attrName>ppt_x</p:attrName>
+                                          <p:attrName>ppt_y</p:attrName>
+                                        </p:attrNameLst>
+                                      </p:cBhvr>
+                                      <p:rCtr x="-23477" y="2245"/>
+                                    </p:animMotion>
+                                  </p:childTnLst>
+                                </p:cTn>
+                              </p:par>
+                            </p:childTnLst>
+                          </p:cTn>
+                        </p:par>
                       </p:childTnLst>
                     </p:cTn>
                   </p:par>
                   <p:par>
-                    <p:cTn id="14" fill="hold">
+                    <p:cTn id="30" fill="hold">
                       <p:stCondLst>
                         <p:cond delay="indefinite"/>
                       </p:stCondLst>
                       <p:childTnLst>
                         <p:par>
-                          <p:cTn id="15" fill="hold">
+                          <p:cTn id="31" fill="hold">
                             <p:stCondLst>
                               <p:cond delay="0"/>
                             </p:stCondLst>
                             <p:childTnLst>
                               <p:par>
-                                <p:cTn id="16" presetID="10" presetClass="entr" presetSubtype="0" fill="hold" nodeType="clickEffect">
+                                <p:cTn id="32" presetID="10" presetClass="entr" presetSubtype="0" fill="hold" nodeType="clickEffect">
                                   <p:stCondLst>
                                     <p:cond delay="0"/>
                                   </p:stCondLst>
                                   <p:childTnLst>
                                     <p:set>
                                       <p:cBhvr>
-                                        <p:cTn id="17" dur="1" fill="hold">
+                                        <p:cTn id="33" dur="1" fill="hold">
                                           <p:stCondLst>
                                             <p:cond delay="0"/>
                                           </p:stCondLst>
@@ -22851,7 +23146,7 @@
                                     </p:set>
                                     <p:animEffect transition="in" filter="fade">
                                       <p:cBhvr>
-                                        <p:cTn id="18" dur="500"/>
+                                        <p:cTn id="34" dur="500"/>
                                         <p:tgtEl>
                                           <p:spTgt spid="14"/>
                                         </p:tgtEl>
@@ -22861,14 +23156,14 @@
                                 </p:cTn>
                               </p:par>
                               <p:par>
-                                <p:cTn id="19" presetID="10" presetClass="entr" presetSubtype="0" fill="hold" nodeType="withEffect">
+                                <p:cTn id="35" presetID="10" presetClass="entr" presetSubtype="0" fill="hold" nodeType="withEffect">
                                   <p:stCondLst>
                                     <p:cond delay="0"/>
                                   </p:stCondLst>
                                   <p:childTnLst>
                                     <p:set>
                                       <p:cBhvr>
-                                        <p:cTn id="20" dur="1" fill="hold">
+                                        <p:cTn id="36" dur="1" fill="hold">
                                           <p:stCondLst>
                                             <p:cond delay="0"/>
                                           </p:stCondLst>
@@ -22886,7 +23181,7 @@
                                     </p:set>
                                     <p:animEffect transition="in" filter="fade">
                                       <p:cBhvr>
-                                        <p:cTn id="21" dur="500"/>
+                                        <p:cTn id="37" dur="500"/>
                                         <p:tgtEl>
                                           <p:spTgt spid="15"/>
                                         </p:tgtEl>
@@ -22899,20 +23194,20 @@
                           </p:cTn>
                         </p:par>
                         <p:par>
-                          <p:cTn id="22" fill="hold">
+                          <p:cTn id="38" fill="hold">
                             <p:stCondLst>
                               <p:cond delay="500"/>
                             </p:stCondLst>
                             <p:childTnLst>
                               <p:par>
-                                <p:cTn id="23" presetID="37" presetClass="path" presetSubtype="0" accel="50000" decel="50000" fill="hold" nodeType="afterEffect">
+                                <p:cTn id="39" presetID="37" presetClass="path" presetSubtype="0" accel="50000" decel="50000" fill="hold" nodeType="afterEffect">
                                   <p:stCondLst>
                                     <p:cond delay="0"/>
                                   </p:stCondLst>
                                   <p:childTnLst>
                                     <p:animMotion origin="layout" path="M 2.5E-6 -4.44444E-6 L -0.04753 0.04792 C -0.05729 0.05926 -0.07227 0.06575 -0.08776 0.06575 C -0.10547 0.06575 -0.11966 0.05926 -0.12943 0.04792 L -0.1767 -4.44444E-6 " pathEditMode="relative" rAng="0" ptsTypes="AAAAA">
                                       <p:cBhvr>
-                                        <p:cTn id="24" dur="2000" fill="hold"/>
+                                        <p:cTn id="40" dur="2000" fill="hold"/>
                                         <p:tgtEl>
                                           <p:spTgt spid="14"/>
                                         </p:tgtEl>
@@ -22927,14 +23222,14 @@
                                 </p:cTn>
                               </p:par>
                               <p:par>
-                                <p:cTn id="25" presetID="37" presetClass="path" presetSubtype="0" accel="50000" decel="50000" fill="hold" nodeType="withEffect">
+                                <p:cTn id="41" presetID="37" presetClass="path" presetSubtype="0" accel="50000" decel="50000" fill="hold" nodeType="withEffect">
                                   <p:stCondLst>
                                     <p:cond delay="0"/>
                                   </p:stCondLst>
                                   <p:childTnLst>
                                     <p:animMotion origin="layout" path="M -2.5E-6 -4.81481E-6 L -0.04557 0.03797 C -0.05495 0.047 -0.06927 0.05209 -0.08411 0.05209 C -0.10104 0.05209 -0.11471 0.047 -0.12409 0.03797 L -0.1694 -4.81481E-6 " pathEditMode="relative" rAng="0" ptsTypes="AAAAA">
                                       <p:cBhvr>
-                                        <p:cTn id="26" dur="2000" fill="hold"/>
+                                        <p:cTn id="42" dur="2000" fill="hold"/>
                                         <p:tgtEl>
                                           <p:spTgt spid="15"/>
                                         </p:tgtEl>
@@ -22955,26 +23250,26 @@
                     </p:cTn>
                   </p:par>
                   <p:par>
-                    <p:cTn id="27" fill="hold">
+                    <p:cTn id="43" fill="hold">
                       <p:stCondLst>
                         <p:cond delay="indefinite"/>
                       </p:stCondLst>
                       <p:childTnLst>
                         <p:par>
-                          <p:cTn id="28" fill="hold">
+                          <p:cTn id="44" fill="hold">
                             <p:stCondLst>
                               <p:cond delay="0"/>
                             </p:stCondLst>
                             <p:childTnLst>
                               <p:par>
-                                <p:cTn id="29" presetID="2" presetClass="entr" presetSubtype="4" fill="hold" grpId="0" nodeType="clickEffect">
+                                <p:cTn id="45" presetID="2" presetClass="entr" presetSubtype="4" fill="hold" grpId="0" nodeType="clickEffect">
                                   <p:stCondLst>
                                     <p:cond delay="0"/>
                                   </p:stCondLst>
                                   <p:childTnLst>
                                     <p:set>
                                       <p:cBhvr>
-                                        <p:cTn id="30" dur="1" fill="hold">
+                                        <p:cTn id="46" dur="1" fill="hold">
                                           <p:stCondLst>
                                             <p:cond delay="0"/>
                                           </p:stCondLst>
@@ -22992,7 +23287,7 @@
                                     </p:set>
                                     <p:anim calcmode="lin" valueType="num">
                                       <p:cBhvr additive="base">
-                                        <p:cTn id="31" dur="500" fill="hold"/>
+                                        <p:cTn id="47" dur="500" fill="hold"/>
                                         <p:tgtEl>
                                           <p:spTgt spid="32"/>
                                         </p:tgtEl>
@@ -23015,7 +23310,7 @@
                                     </p:anim>
                                     <p:anim calcmode="lin" valueType="num">
                                       <p:cBhvr additive="base">
-                                        <p:cTn id="32" dur="500" fill="hold"/>
+                                        <p:cTn id="48" dur="500" fill="hold"/>
                                         <p:tgtEl>
                                           <p:spTgt spid="32"/>
                                         </p:tgtEl>
@@ -23070,7 +23365,10 @@
       <p:bldP spid="32" grpId="0" animBg="1"/>
       <p:bldP spid="6" grpId="0"/>
       <p:bldP spid="16" grpId="0" animBg="1"/>
+      <p:bldP spid="16" grpId="1" animBg="1"/>
       <p:bldP spid="17" grpId="0"/>
+      <p:bldP spid="17" grpId="1"/>
+      <p:bldP spid="3" grpId="0"/>
     </p:bldLst>
   </p:timing>
 </p:sld>

--- a/Formation Git.pptx
+++ b/Formation Git.pptx
@@ -339,7 +339,7 @@
       <p15:sldGuideLst xmlns:p15="http://schemas.microsoft.com/office/powerpoint/2012/main"/>
     </p:ext>
     <p:ext uri="http://customooxmlschemas.google.com/">
-      <go:slidesCustomData xmlns:go="http://customooxmlschemas.google.com/" xmlns:ahyp="http://schemas.microsoft.com/office/drawing/2018/hyperlinkcolor" xmlns:p15="http://schemas.microsoft.com/office/powerpoint/2012/main" xmlns:p14="http://schemas.microsoft.com/office/powerpoint/2010/main" xmlns:com="http://schemas.openxmlformats.org/drawingml/2006/compatibility" xmlns:pvml="urn:schemas-microsoft-com:office:powerpoint" xmlns:v="urn:schemas-microsoft-com:vml" xmlns:o="urn:schemas-microsoft-com:office:office" xmlns:dgm="http://schemas.openxmlformats.org/drawingml/2006/diagram" xmlns:c="http://schemas.openxmlformats.org/drawingml/2006/chart" xmlns:mv="urn:schemas-microsoft-com:mac:vml" xmlns:mc="http://schemas.openxmlformats.org/markup-compatibility/2006" xmlns="" r:id="rId39" roundtripDataSignature="AMtx7mjBspUTouoG0pnpyNBE4wiR3RaCNg=="/>
+      <go:slidesCustomData xmlns="" xmlns:mc="http://schemas.openxmlformats.org/markup-compatibility/2006" xmlns:mv="urn:schemas-microsoft-com:mac:vml" xmlns:c="http://schemas.openxmlformats.org/drawingml/2006/chart" xmlns:dgm="http://schemas.openxmlformats.org/drawingml/2006/diagram" xmlns:o="urn:schemas-microsoft-com:office:office" xmlns:v="urn:schemas-microsoft-com:vml" xmlns:pvml="urn:schemas-microsoft-com:office:powerpoint" xmlns:com="http://schemas.openxmlformats.org/drawingml/2006/compatibility" xmlns:p14="http://schemas.microsoft.com/office/powerpoint/2010/main" xmlns:p15="http://schemas.microsoft.com/office/powerpoint/2012/main" xmlns:ahyp="http://schemas.microsoft.com/office/drawing/2018/hyperlinkcolor" xmlns:go="http://customooxmlschemas.google.com/" r:id="rId39" roundtripDataSignature="AMtx7mjBspUTouoG0pnpyNBE4wiR3RaCNg=="/>
     </p:ext>
   </p:extLst>
 </p:presentation>
@@ -17025,7 +17025,23 @@
           <a:p>
             <a:r>
               <a:rPr lang="en-BE" dirty="0"/>
-              <a:t>git clone = clone a repository</a:t>
+              <a:t>git clone</a:t>
+            </a:r>
+            <a:r>
+              <a:rPr lang="en-US" dirty="0"/>
+              <a:t> &lt;</a:t>
+            </a:r>
+            <a:r>
+              <a:rPr lang="en-US" dirty="0" err="1"/>
+              <a:t>url</a:t>
+            </a:r>
+            <a:r>
+              <a:rPr lang="en-US" dirty="0"/>
+              <a:t>&gt;</a:t>
+            </a:r>
+            <a:r>
+              <a:rPr lang="en-BE" dirty="0"/>
+              <a:t> = clone a repository</a:t>
             </a:r>
           </a:p>
           <a:p>
@@ -17948,15 +17964,23 @@
           <a:p>
             <a:r>
               <a:rPr lang="en-BE" dirty="0"/>
-              <a:t>git add = move file from </a:t>
+              <a:t>git add </a:t>
             </a:r>
             <a:r>
-              <a:rPr lang="en-BE" dirty="0" err="1"/>
-              <a:t>unstaged</a:t>
+              <a:rPr lang="en-US" dirty="0"/>
+              <a:t>&lt;file names&gt; </a:t>
             </a:r>
             <a:r>
               <a:rPr lang="en-BE" dirty="0"/>
-              <a:t> to staged state</a:t>
+              <a:t>= move file</a:t>
+            </a:r>
+            <a:r>
+              <a:rPr lang="en-US" dirty="0"/>
+              <a:t>s</a:t>
+            </a:r>
+            <a:r>
+              <a:rPr lang="en-BE" dirty="0"/>
+              <a:t> from unstaged to staged state</a:t>
             </a:r>
           </a:p>
           <a:p>
@@ -22712,9 +22736,6 @@
                     <p:cTn id="3" fill="hold">
                       <p:stCondLst>
                         <p:cond delay="indefinite"/>
-                        <p:cond evt="onBegin" delay="0">
-                          <p:tn val="2"/>
-                        </p:cond>
                       </p:stCondLst>
                       <p:childTnLst>
                         <p:par>
@@ -22724,7 +22745,7 @@
                             </p:stCondLst>
                             <p:childTnLst>
                               <p:par>
-                                <p:cTn id="5" presetID="53" presetClass="entr" presetSubtype="16" fill="hold" grpId="0" nodeType="afterEffect">
+                                <p:cTn id="5" presetID="53" presetClass="entr" presetSubtype="16" fill="hold" grpId="0" nodeType="clickEffect">
                                   <p:stCondLst>
                                     <p:cond delay="0"/>
                                   </p:stCondLst>
@@ -23746,12 +23767,20 @@
           <a:lstStyle/>
           <a:p>
             <a:r>
+              <a:rPr lang="en-US" dirty="0">
+                <a:solidFill>
+                  <a:schemeClr val="accent2"/>
+                </a:solidFill>
+              </a:rPr>
+              <a:t>Local</a:t>
+            </a:r>
+            <a:r>
               <a:rPr lang="en-BE" dirty="0">
                 <a:solidFill>
                   <a:schemeClr val="accent2"/>
                 </a:solidFill>
               </a:rPr>
-              <a:t>Remote repository</a:t>
+              <a:t> repository</a:t>
             </a:r>
           </a:p>
         </p:txBody>
@@ -28068,6 +28097,88 @@
   <p:clrMapOvr>
     <a:masterClrMapping/>
   </p:clrMapOvr>
+  <p:timing>
+    <p:tnLst>
+      <p:par>
+        <p:cTn id="1" dur="indefinite" restart="never" nodeType="tmRoot">
+          <p:childTnLst>
+            <p:seq concurrent="1" nextAc="seek">
+              <p:cTn id="2" dur="indefinite" nodeType="mainSeq">
+                <p:childTnLst>
+                  <p:par>
+                    <p:cTn id="3" fill="hold">
+                      <p:stCondLst>
+                        <p:cond delay="indefinite"/>
+                        <p:cond evt="onBegin" delay="0">
+                          <p:tn val="2"/>
+                        </p:cond>
+                      </p:stCondLst>
+                      <p:childTnLst>
+                        <p:par>
+                          <p:cTn id="4" fill="hold">
+                            <p:stCondLst>
+                              <p:cond delay="0"/>
+                            </p:stCondLst>
+                            <p:childTnLst>
+                              <p:par>
+                                <p:cTn id="5" presetID="1" presetClass="exit" presetSubtype="0" fill="hold" nodeType="withEffect">
+                                  <p:stCondLst>
+                                    <p:cond delay="0"/>
+                                  </p:stCondLst>
+                                  <p:childTnLst>
+                                    <p:set>
+                                      <p:cBhvr>
+                                        <p:cTn id="6" dur="1" fill="hold">
+                                          <p:stCondLst>
+                                            <p:cond delay="0"/>
+                                          </p:stCondLst>
+                                        </p:cTn>
+                                        <p:tgtEl>
+                                          <p:spTgt spid="204">
+                                            <p:txEl>
+                                              <p:pRg st="4" end="4"/>
+                                            </p:txEl>
+                                          </p:spTgt>
+                                        </p:tgtEl>
+                                        <p:attrNameLst>
+                                          <p:attrName>style.visibility</p:attrName>
+                                        </p:attrNameLst>
+                                      </p:cBhvr>
+                                      <p:to>
+                                        <p:strVal val="hidden"/>
+                                      </p:to>
+                                    </p:set>
+                                  </p:childTnLst>
+                                </p:cTn>
+                              </p:par>
+                            </p:childTnLst>
+                          </p:cTn>
+                        </p:par>
+                      </p:childTnLst>
+                    </p:cTn>
+                  </p:par>
+                </p:childTnLst>
+              </p:cTn>
+              <p:prevCondLst>
+                <p:cond evt="onPrev" delay="0">
+                  <p:tgtEl>
+                    <p:sldTgt/>
+                  </p:tgtEl>
+                </p:cond>
+              </p:prevCondLst>
+              <p:nextCondLst>
+                <p:cond evt="onNext" delay="0">
+                  <p:tgtEl>
+                    <p:sldTgt/>
+                  </p:tgtEl>
+                </p:cond>
+              </p:nextCondLst>
+            </p:seq>
+          </p:childTnLst>
+        </p:cTn>
+      </p:par>
+    </p:tnLst>
+  </p:timing>
 </p:sld>
 </file>
 
@@ -31250,7 +31361,7 @@
             </a:r>
             <a:r>
               <a:rPr lang="en-BE" sz="2000" dirty="0"/>
-              <a:t> or feature flags.</a:t>
+              <a:t> or feature flags</a:t>
             </a:r>
           </a:p>
           <a:p>
@@ -31277,7 +31388,7 @@
             </a:r>
             <a:r>
               <a:rPr lang="en-BE" sz="2000" dirty="0"/>
-              <a:t> = 2 risks with long-lived branches : problem with integration into the trunk (conflicts, loss of changes, ...) and abandoned branches.</a:t>
+              <a:t> = 2 risks with long-lived branches : problem with integration into the trunk (conflicts, loss of changes, ...) and abandoned branches</a:t>
             </a:r>
             <a:endParaRPr sz="2000" dirty="0"/>
           </a:p>

--- a/Formation Git.pptx
+++ b/Formation Git.pptx
@@ -3501,7 +3501,7 @@
               </a:spcAft>
               <a:buNone/>
             </a:pPr>
-            <a:endParaRPr/>
+            <a:endParaRPr dirty="0"/>
           </a:p>
         </p:txBody>
       </p:sp>
@@ -16549,8 +16549,8 @@
         </p:nvSpPr>
         <p:spPr>
           <a:xfrm>
-            <a:off x="3247216" y="2470150"/>
-            <a:ext cx="5697568" cy="1917700"/>
+            <a:off x="2963310" y="2500349"/>
+            <a:ext cx="6265379" cy="1857301"/>
           </a:xfrm>
           <a:prstGeom prst="rect">
             <a:avLst/>
@@ -16562,7 +16562,7 @@
         </p:spPr>
         <p:txBody>
           <a:bodyPr spcFirstLastPara="1" wrap="square" lIns="91425" tIns="45700" rIns="91425" bIns="45700" anchor="ctr" anchorCtr="0">
-            <a:normAutofit/>
+            <a:noAutofit/>
           </a:bodyPr>
           <a:lstStyle/>
           <a:p>
@@ -16584,14 +16584,39 @@
               <a:buNone/>
             </a:pPr>
             <a:r>
-              <a:rPr lang="en-BE" sz="8000" b="1">
+              <a:rPr lang="en-BE" sz="9000" b="1" dirty="0">
+                <a:ln>
+                  <a:solidFill>
+                    <a:schemeClr val="tx1"/>
+                  </a:solidFill>
+                </a:ln>
                 <a:solidFill>
                   <a:srgbClr val="D8D8D8"/>
                 </a:solidFill>
+                <a:effectLst>
+                  <a:outerShdw blurRad="50800" dist="38100" algn="l" rotWithShape="0">
+                    <a:prstClr val="black">
+                      <a:alpha val="40000"/>
+                    </a:prstClr>
+                  </a:outerShdw>
+                </a:effectLst>
               </a:rPr>
               <a:t>Git Training</a:t>
             </a:r>
-            <a:endParaRPr/>
+            <a:endParaRPr sz="9000" dirty="0">
+              <a:ln>
+                <a:solidFill>
+                  <a:schemeClr val="tx1"/>
+                </a:solidFill>
+              </a:ln>
+              <a:effectLst>
+                <a:outerShdw blurRad="50800" dist="38100" algn="l" rotWithShape="0">
+                  <a:prstClr val="black">
+                    <a:alpha val="40000"/>
+                  </a:prstClr>
+                </a:outerShdw>
+              </a:effectLst>
+            </a:endParaRPr>
           </a:p>
         </p:txBody>
       </p:sp>
@@ -17090,7 +17115,7 @@
         </p:spPr>
         <p:txBody>
           <a:bodyPr spcFirstLastPara="1" wrap="square" lIns="91425" tIns="45700" rIns="91425" bIns="45700" anchor="ctr" anchorCtr="0">
-            <a:normAutofit/>
+            <a:noAutofit/>
           </a:bodyPr>
           <a:lstStyle>
             <a:defPPr marR="0" lvl="0" algn="l" rtl="0">
@@ -17344,10 +17369,33 @@
               <a:buSzPts val="4400"/>
             </a:pPr>
             <a:r>
-              <a:rPr lang="fr-BE"/>
-              <a:t>How does it work?</a:t>
-            </a:r>
-            <a:endParaRPr lang="fr-BE" dirty="0"/>
+              <a:rPr lang="fr-BE" sz="6000" dirty="0"/>
+              <a:t>How </a:t>
+            </a:r>
+            <a:r>
+              <a:rPr lang="fr-BE" sz="6000" dirty="0" err="1"/>
+              <a:t>does</a:t>
+            </a:r>
+            <a:r>
+              <a:rPr lang="fr-BE" sz="6000" dirty="0"/>
+              <a:t> </a:t>
+            </a:r>
+            <a:r>
+              <a:rPr lang="fr-BE" sz="6000" dirty="0" err="1"/>
+              <a:t>it</a:t>
+            </a:r>
+            <a:r>
+              <a:rPr lang="fr-BE" sz="6000" dirty="0"/>
+              <a:t> </a:t>
+            </a:r>
+            <a:r>
+              <a:rPr lang="fr-BE" sz="6000" dirty="0" err="1"/>
+              <a:t>work</a:t>
+            </a:r>
+            <a:r>
+              <a:rPr lang="fr-BE" sz="6000" dirty="0"/>
+              <a:t>?</a:t>
+            </a:r>
           </a:p>
         </p:txBody>
       </p:sp>
@@ -17832,7 +17880,7 @@
         </p:spPr>
         <p:txBody>
           <a:bodyPr spcFirstLastPara="1" wrap="square" lIns="91425" tIns="45700" rIns="91425" bIns="45700" anchor="ctr" anchorCtr="0">
-            <a:normAutofit/>
+            <a:noAutofit/>
           </a:bodyPr>
           <a:lstStyle/>
           <a:p>
@@ -17854,10 +17902,10 @@
               <a:buNone/>
             </a:pPr>
             <a:r>
-              <a:rPr lang="en-BE" dirty="0"/>
+              <a:rPr lang="en-BE" sz="6000" dirty="0"/>
               <a:t>How does it work?</a:t>
             </a:r>
-            <a:endParaRPr dirty="0"/>
+            <a:endParaRPr sz="6000" dirty="0"/>
           </a:p>
         </p:txBody>
       </p:sp>
@@ -19701,7 +19749,7 @@
         </p:spPr>
         <p:txBody>
           <a:bodyPr spcFirstLastPara="1" wrap="square" lIns="91425" tIns="45700" rIns="91425" bIns="45700" anchor="ctr" anchorCtr="0">
-            <a:normAutofit/>
+            <a:noAutofit/>
           </a:bodyPr>
           <a:lstStyle/>
           <a:p>
@@ -19723,10 +19771,10 @@
               <a:buNone/>
             </a:pPr>
             <a:r>
-              <a:rPr lang="en-BE" dirty="0"/>
+              <a:rPr lang="en-BE" sz="6000" dirty="0"/>
               <a:t>How does it work?</a:t>
             </a:r>
-            <a:endParaRPr dirty="0"/>
+            <a:endParaRPr sz="6000" dirty="0"/>
           </a:p>
         </p:txBody>
       </p:sp>
@@ -20841,7 +20889,7 @@
         </p:spPr>
         <p:txBody>
           <a:bodyPr spcFirstLastPara="1" wrap="square" lIns="91425" tIns="45700" rIns="91425" bIns="45700" anchor="ctr" anchorCtr="0">
-            <a:normAutofit/>
+            <a:noAutofit/>
           </a:bodyPr>
           <a:lstStyle/>
           <a:p>
@@ -20863,10 +20911,10 @@
               <a:buNone/>
             </a:pPr>
             <a:r>
-              <a:rPr lang="en-BE" dirty="0"/>
+              <a:rPr lang="en-BE" sz="6000" dirty="0"/>
               <a:t>How does it work?</a:t>
             </a:r>
-            <a:endParaRPr dirty="0"/>
+            <a:endParaRPr sz="6000" dirty="0"/>
           </a:p>
         </p:txBody>
       </p:sp>
@@ -22042,7 +22090,7 @@
         </p:spPr>
         <p:txBody>
           <a:bodyPr spcFirstLastPara="1" wrap="square" lIns="91425" tIns="45700" rIns="91425" bIns="45700" anchor="ctr" anchorCtr="0">
-            <a:normAutofit/>
+            <a:noAutofit/>
           </a:bodyPr>
           <a:lstStyle>
             <a:defPPr marR="0" lvl="0" algn="l" rtl="0">
@@ -22296,10 +22344,33 @@
               <a:buSzPts val="4400"/>
             </a:pPr>
             <a:r>
-              <a:rPr lang="fr-BE"/>
-              <a:t>How does it work?</a:t>
-            </a:r>
-            <a:endParaRPr lang="fr-BE" dirty="0"/>
+              <a:rPr lang="fr-BE" sz="6000" dirty="0"/>
+              <a:t>How </a:t>
+            </a:r>
+            <a:r>
+              <a:rPr lang="fr-BE" sz="6000" dirty="0" err="1"/>
+              <a:t>does</a:t>
+            </a:r>
+            <a:r>
+              <a:rPr lang="fr-BE" sz="6000" dirty="0"/>
+              <a:t> </a:t>
+            </a:r>
+            <a:r>
+              <a:rPr lang="fr-BE" sz="6000" dirty="0" err="1"/>
+              <a:t>it</a:t>
+            </a:r>
+            <a:r>
+              <a:rPr lang="fr-BE" sz="6000" dirty="0"/>
+              <a:t> </a:t>
+            </a:r>
+            <a:r>
+              <a:rPr lang="fr-BE" sz="6000" dirty="0" err="1"/>
+              <a:t>work</a:t>
+            </a:r>
+            <a:r>
+              <a:rPr lang="fr-BE" sz="6000" dirty="0"/>
+              <a:t>?</a:t>
+            </a:r>
           </a:p>
         </p:txBody>
       </p:sp>
@@ -23489,7 +23560,7 @@
         </p:spPr>
         <p:txBody>
           <a:bodyPr spcFirstLastPara="1" wrap="square" lIns="91425" tIns="45700" rIns="91425" bIns="45700" anchor="ctr" anchorCtr="0">
-            <a:normAutofit/>
+            <a:noAutofit/>
           </a:bodyPr>
           <a:lstStyle/>
           <a:p>
@@ -23511,10 +23582,10 @@
               <a:buNone/>
             </a:pPr>
             <a:r>
-              <a:rPr lang="en-BE" dirty="0"/>
+              <a:rPr lang="en-BE" sz="6000" dirty="0"/>
               <a:t>How does it work?</a:t>
             </a:r>
-            <a:endParaRPr dirty="0"/>
+            <a:endParaRPr sz="6000" dirty="0"/>
           </a:p>
         </p:txBody>
       </p:sp>
@@ -25400,7 +25471,7 @@
         </p:spPr>
         <p:txBody>
           <a:bodyPr spcFirstLastPara="1" wrap="square" lIns="91425" tIns="45700" rIns="91425" bIns="45700" anchor="ctr" anchorCtr="0">
-            <a:normAutofit/>
+            <a:noAutofit/>
           </a:bodyPr>
           <a:lstStyle/>
           <a:p>
@@ -25422,10 +25493,10 @@
               <a:buNone/>
             </a:pPr>
             <a:r>
-              <a:rPr lang="en-BE" dirty="0"/>
+              <a:rPr lang="en-BE" sz="6000" dirty="0"/>
               <a:t>How does it work?</a:t>
             </a:r>
-            <a:endParaRPr dirty="0"/>
+            <a:endParaRPr sz="6000" dirty="0"/>
           </a:p>
         </p:txBody>
       </p:sp>
@@ -25442,9 +25513,9 @@
           <p:nvPr/>
         </p:nvSpPr>
         <p:spPr>
-          <a:xfrm rot="20612020">
-            <a:off x="117924" y="1531459"/>
-            <a:ext cx="12704120" cy="3554819"/>
+          <a:xfrm>
+            <a:off x="7004067" y="2438577"/>
+            <a:ext cx="4262690" cy="2585323"/>
           </a:xfrm>
           <a:prstGeom prst="rect">
             <a:avLst/>
@@ -25452,14 +25523,14 @@
           <a:noFill/>
         </p:spPr>
         <p:txBody>
-          <a:bodyPr wrap="none" lIns="91440" tIns="45720" rIns="91440" bIns="45720">
+          <a:bodyPr wrap="square" lIns="91440" tIns="45720" rIns="91440" bIns="45720">
             <a:spAutoFit/>
           </a:bodyPr>
           <a:lstStyle/>
           <a:p>
             <a:pPr algn="ctr"/>
             <a:r>
-              <a:rPr lang="en-BE" sz="7500" b="0" cap="none" spc="0" dirty="0">
+              <a:rPr lang="en-BE" sz="5400" b="0" cap="none" spc="0" dirty="0">
                 <a:ln w="0"/>
                 <a:solidFill>
                   <a:srgbClr val="FF0000"/>
@@ -25474,42 +25545,7 @@
               </a:rPr>
               <a:t>Want to know more in depth?</a:t>
             </a:r>
-          </a:p>
-          <a:p>
-            <a:pPr algn="ctr"/>
-            <a:endParaRPr lang="en-BE" sz="7500" dirty="0">
-              <a:ln w="0"/>
-              <a:solidFill>
-                <a:srgbClr val="FF0000"/>
-              </a:solidFill>
-              <a:effectLst>
-                <a:outerShdw blurRad="38100" dist="19050" dir="2700000" algn="tl" rotWithShape="0">
-                  <a:schemeClr val="dk1">
-                    <a:alpha val="40000"/>
-                  </a:schemeClr>
-                </a:outerShdw>
-              </a:effectLst>
-            </a:endParaRPr>
-          </a:p>
-          <a:p>
-            <a:pPr algn="ctr"/>
-            <a:r>
-              <a:rPr lang="en-BE" sz="7500" b="0" cap="none" spc="0" dirty="0">
-                <a:ln w="0"/>
-                <a:solidFill>
-                  <a:srgbClr val="FF0000"/>
-                </a:solidFill>
-                <a:effectLst>
-                  <a:outerShdw blurRad="38100" dist="19050" dir="2700000" algn="tl" rotWithShape="0">
-                    <a:schemeClr val="dk1">
-                      <a:alpha val="40000"/>
-                    </a:schemeClr>
-                  </a:outerShdw>
-                </a:effectLst>
-              </a:rPr>
-              <a:t>Read the web!</a:t>
-            </a:r>
-            <a:endParaRPr lang="en-US" sz="7500" b="0" cap="none" spc="0" dirty="0">
+            <a:endParaRPr lang="en-US" sz="5400" b="0" cap="none" spc="0" dirty="0">
               <a:ln w="0"/>
               <a:solidFill>
                 <a:srgbClr val="FF0000"/>
@@ -25859,10 +25895,10 @@
               <a:buNone/>
             </a:pPr>
             <a:r>
-              <a:rPr lang="en-BE"/>
+              <a:rPr lang="en-BE" sz="6000" dirty="0"/>
               <a:t>Why should you use it?</a:t>
             </a:r>
-            <a:endParaRPr/>
+            <a:endParaRPr sz="6000" dirty="0"/>
           </a:p>
         </p:txBody>
       </p:sp>
@@ -25912,10 +25948,10 @@
               <a:buChar char="•"/>
             </a:pPr>
             <a:r>
-              <a:rPr lang="en-BE"/>
+              <a:rPr lang="en-BE" sz="3500" dirty="0"/>
               <a:t>Branching capabilities</a:t>
             </a:r>
-            <a:endParaRPr/>
+            <a:endParaRPr sz="3500" dirty="0"/>
           </a:p>
           <a:p>
             <a:pPr marL="685800" lvl="1" indent="-228600" algn="l" rtl="0">
@@ -25935,10 +25971,10 @@
               <a:buChar char="•"/>
             </a:pPr>
             <a:r>
-              <a:rPr lang="en-BE"/>
+              <a:rPr lang="en-BE" sz="3500" dirty="0"/>
               <a:t>Isolated environment for every change to your codebase</a:t>
             </a:r>
-            <a:endParaRPr/>
+            <a:endParaRPr sz="3500" dirty="0"/>
           </a:p>
           <a:p>
             <a:pPr marL="685800" lvl="1" indent="-228600" algn="l" rtl="0">
@@ -25958,10 +25994,10 @@
               <a:buChar char="•"/>
             </a:pPr>
             <a:r>
-              <a:rPr lang="en-BE"/>
+              <a:rPr lang="en-BE" sz="3500" dirty="0"/>
               <a:t>Main branch = production-ready code</a:t>
             </a:r>
-            <a:endParaRPr/>
+            <a:endParaRPr sz="3500" dirty="0"/>
           </a:p>
         </p:txBody>
       </p:sp>
@@ -26038,8 +26074,8 @@
         </p:blipFill>
         <p:spPr>
           <a:xfrm>
-            <a:off x="6777435" y="2053800"/>
-            <a:ext cx="3746874" cy="4205850"/>
+            <a:off x="6979454" y="2731655"/>
+            <a:ext cx="3397923" cy="3580245"/>
           </a:xfrm>
           <a:prstGeom prst="rect">
             <a:avLst/>
@@ -26122,10 +26158,10 @@
               <a:buNone/>
             </a:pPr>
             <a:r>
-              <a:rPr lang="en-BE"/>
+              <a:rPr lang="en-BE" sz="6000" dirty="0"/>
               <a:t>Why should you use it?</a:t>
             </a:r>
-            <a:endParaRPr/>
+            <a:endParaRPr sz="6000" dirty="0"/>
           </a:p>
         </p:txBody>
       </p:sp>
@@ -26175,10 +26211,10 @@
               <a:buChar char="•"/>
             </a:pPr>
             <a:r>
-              <a:rPr lang="en-BE"/>
+              <a:rPr lang="en-BE" sz="3500" dirty="0"/>
               <a:t>Distributed development</a:t>
             </a:r>
-            <a:endParaRPr/>
+            <a:endParaRPr sz="3500" dirty="0"/>
           </a:p>
           <a:p>
             <a:pPr marL="685800" lvl="1" indent="-228600" algn="l" rtl="0">
@@ -26198,10 +26234,10 @@
               <a:buChar char="•"/>
             </a:pPr>
             <a:r>
-              <a:rPr lang="en-BE"/>
+              <a:rPr lang="en-BE" sz="3500" dirty="0"/>
               <a:t>Complete local environment</a:t>
             </a:r>
-            <a:endParaRPr/>
+            <a:endParaRPr sz="3500" dirty="0"/>
           </a:p>
           <a:p>
             <a:pPr marL="685800" lvl="1" indent="-228600" algn="l" rtl="0">
@@ -26221,10 +26257,10 @@
               <a:buChar char="•"/>
             </a:pPr>
             <a:r>
-              <a:rPr lang="en-BE"/>
+              <a:rPr lang="en-BE" sz="3500" dirty="0"/>
               <a:t>Full history</a:t>
             </a:r>
-            <a:endParaRPr/>
+            <a:endParaRPr sz="3500" dirty="0"/>
           </a:p>
         </p:txBody>
       </p:sp>
@@ -26385,10 +26421,10 @@
               <a:buNone/>
             </a:pPr>
             <a:r>
-              <a:rPr lang="en-BE"/>
+              <a:rPr lang="en-BE" sz="6000" dirty="0"/>
               <a:t>Why should you use it?</a:t>
             </a:r>
-            <a:endParaRPr/>
+            <a:endParaRPr sz="6000" dirty="0"/>
           </a:p>
         </p:txBody>
       </p:sp>
@@ -26438,10 +26474,10 @@
               <a:buChar char="•"/>
             </a:pPr>
             <a:r>
-              <a:rPr lang="en-BE"/>
+              <a:rPr lang="en-BE" sz="3500" dirty="0"/>
               <a:t>Pull Requests</a:t>
             </a:r>
-            <a:endParaRPr/>
+            <a:endParaRPr sz="3500" dirty="0"/>
           </a:p>
           <a:p>
             <a:pPr marL="685800" lvl="1" indent="-228600" algn="l" rtl="0">
@@ -26461,10 +26497,10 @@
               <a:buChar char="•"/>
             </a:pPr>
             <a:r>
-              <a:rPr lang="en-BE"/>
+              <a:rPr lang="en-BE" sz="3500" dirty="0"/>
               <a:t>Enhanced feature offered by source code management tools</a:t>
             </a:r>
-            <a:endParaRPr/>
+            <a:endParaRPr sz="3500" dirty="0"/>
           </a:p>
           <a:p>
             <a:pPr marL="685800" lvl="1" indent="-228600" algn="l" rtl="0">
@@ -26484,10 +26520,10 @@
               <a:buChar char="•"/>
             </a:pPr>
             <a:r>
-              <a:rPr lang="en-BE"/>
+              <a:rPr lang="en-BE" sz="3500" dirty="0"/>
               <a:t>Easier to keep track of changes</a:t>
             </a:r>
-            <a:endParaRPr/>
+            <a:endParaRPr sz="3500" dirty="0"/>
           </a:p>
           <a:p>
             <a:pPr marL="685800" lvl="1" indent="-228600" algn="l" rtl="0">
@@ -26507,10 +26543,10 @@
               <a:buChar char="•"/>
             </a:pPr>
             <a:r>
-              <a:rPr lang="en-BE"/>
+              <a:rPr lang="en-BE" sz="3500" dirty="0"/>
               <a:t>Allows discussions</a:t>
             </a:r>
-            <a:endParaRPr/>
+            <a:endParaRPr sz="3500" dirty="0"/>
           </a:p>
           <a:p>
             <a:pPr marL="1143000" lvl="2" indent="-228600" algn="l" rtl="0">
@@ -26530,10 +26566,10 @@
               <a:buChar char="•"/>
             </a:pPr>
             <a:r>
-              <a:rPr lang="en-BE"/>
+              <a:rPr lang="en-BE" sz="3500" dirty="0"/>
               <a:t>To ask for help when stuck</a:t>
             </a:r>
-            <a:endParaRPr/>
+            <a:endParaRPr sz="3500" dirty="0"/>
           </a:p>
           <a:p>
             <a:pPr marL="1143000" lvl="2" indent="-228600" algn="l" rtl="0">
@@ -26553,10 +26589,10 @@
               <a:buChar char="•"/>
             </a:pPr>
             <a:r>
-              <a:rPr lang="en-BE"/>
+              <a:rPr lang="en-BE" sz="3500" dirty="0"/>
               <a:t>As a formal code-review</a:t>
             </a:r>
-            <a:endParaRPr/>
+            <a:endParaRPr sz="3500" dirty="0"/>
           </a:p>
         </p:txBody>
       </p:sp>
@@ -26633,7 +26669,7 @@
         </p:blipFill>
         <p:spPr>
           <a:xfrm>
-            <a:off x="3466455" y="2723194"/>
+            <a:off x="6978157" y="2244729"/>
             <a:ext cx="5213843" cy="3803150"/>
           </a:xfrm>
           <a:prstGeom prst="rect">
@@ -26710,7 +26746,7 @@
                                           </p:stCondLst>
                                         </p:cTn>
                                         <p:tgtEl>
-                                          <p:spTgt spid="172"/>
+                                          <p:spTgt spid="173"/>
                                         </p:tgtEl>
                                         <p:attrNameLst>
                                           <p:attrName>style.visibility</p:attrName>
@@ -26723,59 +26759,6 @@
                                     <p:animEffect transition="in" filter="fade">
                                       <p:cBhvr>
                                         <p:cTn id="7" dur="500"/>
-                                        <p:tgtEl>
-                                          <p:spTgt spid="172"/>
-                                        </p:tgtEl>
-                                      </p:cBhvr>
-                                    </p:animEffect>
-                                  </p:childTnLst>
-                                </p:cTn>
-                              </p:par>
-                            </p:childTnLst>
-                          </p:cTn>
-                        </p:par>
-                      </p:childTnLst>
-                    </p:cTn>
-                  </p:par>
-                  <p:par>
-                    <p:cTn id="8" fill="hold">
-                      <p:stCondLst>
-                        <p:cond delay="indefinite"/>
-                      </p:stCondLst>
-                      <p:childTnLst>
-                        <p:par>
-                          <p:cTn id="9" fill="hold">
-                            <p:stCondLst>
-                              <p:cond delay="0"/>
-                            </p:stCondLst>
-                            <p:childTnLst>
-                              <p:par>
-                                <p:cTn id="10" presetID="10" presetClass="entr" presetSubtype="0" fill="hold" nodeType="clickEffect">
-                                  <p:stCondLst>
-                                    <p:cond delay="0"/>
-                                  </p:stCondLst>
-                                  <p:childTnLst>
-                                    <p:set>
-                                      <p:cBhvr>
-                                        <p:cTn id="11" dur="1" fill="hold">
-                                          <p:stCondLst>
-                                            <p:cond delay="0"/>
-                                          </p:stCondLst>
-                                        </p:cTn>
-                                        <p:tgtEl>
-                                          <p:spTgt spid="173"/>
-                                        </p:tgtEl>
-                                        <p:attrNameLst>
-                                          <p:attrName>style.visibility</p:attrName>
-                                        </p:attrNameLst>
-                                      </p:cBhvr>
-                                      <p:to>
-                                        <p:strVal val="visible"/>
-                                      </p:to>
-                                    </p:set>
-                                    <p:animEffect transition="in" filter="fade">
-                                      <p:cBhvr>
-                                        <p:cTn id="12" dur="500"/>
                                         <p:tgtEl>
                                           <p:spTgt spid="173"/>
                                         </p:tgtEl>
@@ -26948,7 +26931,7 @@
         </p:spPr>
         <p:txBody>
           <a:bodyPr spcFirstLastPara="1" wrap="square" lIns="91425" tIns="45700" rIns="91425" bIns="45700" anchor="t" anchorCtr="0">
-            <a:normAutofit/>
+            <a:noAutofit/>
           </a:bodyPr>
           <a:lstStyle/>
           <a:p>
@@ -26969,10 +26952,10 @@
               <a:buNone/>
             </a:pPr>
             <a:r>
-              <a:rPr lang="en-BE" dirty="0"/>
+              <a:rPr lang="en-BE" sz="2000" dirty="0"/>
               <a:t>Studies:</a:t>
             </a:r>
-            <a:endParaRPr dirty="0"/>
+            <a:endParaRPr sz="2000" dirty="0"/>
           </a:p>
           <a:p>
             <a:pPr marL="285750" lvl="0" indent="-285750" algn="l" rtl="0">
@@ -26993,10 +26976,10 @@
               <a:buChar char="•"/>
             </a:pPr>
             <a:r>
-              <a:rPr lang="en-BE" dirty="0" err="1"/>
+              <a:rPr lang="en-BE" sz="2000" dirty="0" err="1"/>
               <a:t>Hénallux</a:t>
             </a:r>
-            <a:endParaRPr dirty="0"/>
+            <a:endParaRPr sz="2000" dirty="0"/>
           </a:p>
           <a:p>
             <a:pPr marL="0" lvl="0" indent="0" algn="l" rtl="0">
@@ -27015,7 +26998,7 @@
               <a:buSzPts val="1600"/>
               <a:buNone/>
             </a:pPr>
-            <a:endParaRPr dirty="0"/>
+            <a:endParaRPr sz="2000" dirty="0"/>
           </a:p>
           <a:p>
             <a:pPr marL="0" lvl="0" indent="0" algn="l" rtl="0">
@@ -27035,10 +27018,10 @@
               <a:buNone/>
             </a:pPr>
             <a:r>
-              <a:rPr lang="en-BE" dirty="0"/>
+              <a:rPr lang="en-BE" sz="2000" dirty="0"/>
               <a:t>Jobs:</a:t>
             </a:r>
-            <a:endParaRPr dirty="0"/>
+            <a:endParaRPr sz="2000" dirty="0"/>
           </a:p>
           <a:p>
             <a:pPr marL="285750" lvl="0" indent="-285750" algn="l" rtl="0">
@@ -27059,14 +27042,14 @@
               <a:buChar char="•"/>
             </a:pPr>
             <a:r>
-              <a:rPr lang="en-BE" dirty="0"/>
+              <a:rPr lang="en-BE" sz="2000" dirty="0"/>
               <a:t>IT Consultant @ </a:t>
             </a:r>
             <a:r>
-              <a:rPr lang="en-BE" dirty="0" err="1"/>
+              <a:rPr lang="en-BE" sz="2000" dirty="0" err="1"/>
               <a:t>Capyx</a:t>
             </a:r>
-            <a:endParaRPr dirty="0"/>
+            <a:endParaRPr sz="2000" dirty="0"/>
           </a:p>
           <a:p>
             <a:pPr marL="742950" lvl="1" indent="-285750" algn="l" rtl="0">
@@ -27087,10 +27070,10 @@
               <a:buChar char="o"/>
             </a:pPr>
             <a:r>
-              <a:rPr lang="en-BE" dirty="0"/>
+              <a:rPr lang="en-BE" sz="2000" dirty="0"/>
               <a:t>BNP Paribas Fortis (.NET developer &amp; IT coach)</a:t>
             </a:r>
-            <a:endParaRPr dirty="0"/>
+            <a:endParaRPr sz="2000" dirty="0"/>
           </a:p>
           <a:p>
             <a:pPr marL="742950" lvl="1" indent="-285750" algn="l" rtl="0">
@@ -27111,14 +27094,14 @@
               <a:buChar char="o"/>
             </a:pPr>
             <a:r>
-              <a:rPr lang="en-BE" dirty="0" err="1"/>
+              <a:rPr lang="en-BE" sz="2000" dirty="0" err="1"/>
               <a:t>MaxiToys</a:t>
             </a:r>
             <a:r>
-              <a:rPr lang="en-BE" dirty="0"/>
+              <a:rPr lang="en-BE" sz="2000" dirty="0"/>
               <a:t> (.NET developer &amp; IT coach)</a:t>
             </a:r>
-            <a:endParaRPr dirty="0"/>
+            <a:endParaRPr sz="2000" dirty="0"/>
           </a:p>
           <a:p>
             <a:pPr marL="285750" lvl="0" indent="-285750" algn="l" rtl="0">
@@ -27139,14 +27122,14 @@
               <a:buChar char="•"/>
             </a:pPr>
             <a:r>
-              <a:rPr lang="en-BE" dirty="0"/>
+              <a:rPr lang="en-BE" sz="2000" dirty="0"/>
               <a:t>Teacher @ </a:t>
             </a:r>
             <a:r>
-              <a:rPr lang="en-BE" dirty="0" err="1"/>
+              <a:rPr lang="en-BE" sz="2000" dirty="0" err="1"/>
               <a:t>Henallux</a:t>
             </a:r>
-            <a:endParaRPr dirty="0"/>
+            <a:endParaRPr sz="2000" dirty="0"/>
           </a:p>
           <a:p>
             <a:pPr marL="0" lvl="0" indent="0" algn="l" rtl="0">
@@ -27165,7 +27148,7 @@
               <a:buSzPts val="1600"/>
               <a:buNone/>
             </a:pPr>
-            <a:endParaRPr dirty="0"/>
+            <a:endParaRPr sz="2000" dirty="0"/>
           </a:p>
           <a:p>
             <a:pPr marL="0" lvl="0" indent="0" algn="l" rtl="0">
@@ -27185,10 +27168,10 @@
               <a:buNone/>
             </a:pPr>
             <a:r>
-              <a:rPr lang="en-BE" dirty="0"/>
+              <a:rPr lang="en-BE" sz="2000" dirty="0"/>
               <a:t>Former jobs:</a:t>
             </a:r>
-            <a:endParaRPr dirty="0"/>
+            <a:endParaRPr sz="2000" dirty="0"/>
           </a:p>
           <a:p>
             <a:pPr marL="285750" lvl="0" indent="-285750" algn="l" rtl="0">
@@ -27209,10 +27192,10 @@
               <a:buChar char="•"/>
             </a:pPr>
             <a:r>
-              <a:rPr lang="en-BE" dirty="0"/>
+              <a:rPr lang="en-BE" sz="2000" dirty="0"/>
               <a:t>Developer @ CESI</a:t>
             </a:r>
-            <a:endParaRPr dirty="0"/>
+            <a:endParaRPr sz="2000" dirty="0"/>
           </a:p>
           <a:p>
             <a:pPr marL="285750" lvl="0" indent="-285750" algn="l" rtl="0">
@@ -27233,10 +27216,10 @@
               <a:buChar char="•"/>
             </a:pPr>
             <a:r>
-              <a:rPr lang="en-BE" dirty="0"/>
+              <a:rPr lang="en-BE" sz="2000" dirty="0"/>
               <a:t>Developer @ PwC</a:t>
             </a:r>
-            <a:endParaRPr dirty="0"/>
+            <a:endParaRPr sz="2000" dirty="0"/>
           </a:p>
         </p:txBody>
       </p:sp>
@@ -27370,10 +27353,10 @@
               <a:buNone/>
             </a:pPr>
             <a:r>
-              <a:rPr lang="en-BE"/>
+              <a:rPr lang="en-BE" sz="6000" dirty="0"/>
               <a:t>Why should you use it?</a:t>
             </a:r>
-            <a:endParaRPr/>
+            <a:endParaRPr sz="6000" dirty="0"/>
           </a:p>
         </p:txBody>
       </p:sp>
@@ -27423,10 +27406,10 @@
               <a:buChar char="•"/>
             </a:pPr>
             <a:r>
-              <a:rPr lang="en-BE"/>
+              <a:rPr lang="en-BE" sz="3500" dirty="0"/>
               <a:t>Community</a:t>
             </a:r>
-            <a:endParaRPr/>
+            <a:endParaRPr sz="3500" dirty="0"/>
           </a:p>
           <a:p>
             <a:pPr marL="685800" lvl="1" indent="-228600" algn="l" rtl="0">
@@ -27446,10 +27429,10 @@
               <a:buChar char="•"/>
             </a:pPr>
             <a:r>
-              <a:rPr lang="en-BE"/>
+              <a:rPr lang="en-BE" sz="3500" dirty="0"/>
               <a:t>No need to train new hires</a:t>
             </a:r>
-            <a:endParaRPr/>
+            <a:endParaRPr sz="3500" dirty="0"/>
           </a:p>
         </p:txBody>
       </p:sp>
@@ -27610,10 +27593,10 @@
               <a:buNone/>
             </a:pPr>
             <a:r>
-              <a:rPr lang="en-BE"/>
+              <a:rPr lang="en-BE" sz="6000" dirty="0"/>
               <a:t>Why should you use it?</a:t>
             </a:r>
-            <a:endParaRPr/>
+            <a:endParaRPr sz="6000" dirty="0"/>
           </a:p>
         </p:txBody>
       </p:sp>
@@ -27663,10 +27646,10 @@
               <a:buChar char="•"/>
             </a:pPr>
             <a:r>
-              <a:rPr lang="en-BE"/>
+              <a:rPr lang="en-BE" sz="3500" dirty="0"/>
               <a:t>Faster Release Cycle</a:t>
             </a:r>
-            <a:endParaRPr/>
+            <a:endParaRPr sz="3500" dirty="0"/>
           </a:p>
           <a:p>
             <a:pPr marL="685800" lvl="1" indent="-228600" algn="l" rtl="0">
@@ -27686,10 +27669,10 @@
               <a:buChar char="•"/>
             </a:pPr>
             <a:r>
-              <a:rPr lang="en-BE"/>
+              <a:rPr lang="en-BE" sz="3500" dirty="0"/>
               <a:t>Result of the previous points</a:t>
             </a:r>
-            <a:endParaRPr/>
+            <a:endParaRPr sz="3500" dirty="0"/>
           </a:p>
           <a:p>
             <a:pPr marL="685800" lvl="1" indent="-228600" algn="l" rtl="0">
@@ -27709,10 +27692,10 @@
               <a:buChar char="•"/>
             </a:pPr>
             <a:r>
-              <a:rPr lang="en-BE"/>
+              <a:rPr lang="en-BE" sz="3500" dirty="0"/>
               <a:t>Facilitates the agile workflow (smaller changes more frequently)</a:t>
             </a:r>
-            <a:endParaRPr/>
+            <a:endParaRPr sz="3500" dirty="0"/>
           </a:p>
           <a:p>
             <a:pPr marL="0" lvl="0" indent="0" algn="l" rtl="0">
@@ -27731,7 +27714,7 @@
               <a:buSzPts val="2800"/>
               <a:buNone/>
             </a:pPr>
-            <a:endParaRPr/>
+            <a:endParaRPr sz="3500" dirty="0"/>
           </a:p>
         </p:txBody>
       </p:sp>
@@ -27808,7 +27791,7 @@
         </p:blipFill>
         <p:spPr>
           <a:xfrm>
-            <a:off x="3846286" y="3069770"/>
+            <a:off x="3846286" y="3165465"/>
             <a:ext cx="4316117" cy="3513119"/>
           </a:xfrm>
           <a:prstGeom prst="rect">
@@ -27892,10 +27875,10 @@
               <a:buNone/>
             </a:pPr>
             <a:r>
-              <a:rPr lang="en-BE" dirty="0"/>
+              <a:rPr lang="en-BE" sz="7200" dirty="0"/>
               <a:t>The Workflows</a:t>
             </a:r>
-            <a:endParaRPr dirty="0"/>
+            <a:endParaRPr sz="7200" dirty="0"/>
           </a:p>
         </p:txBody>
       </p:sp>
@@ -27924,13 +27907,13 @@
         </p:spPr>
         <p:txBody>
           <a:bodyPr spcFirstLastPara="1" wrap="square" lIns="91425" tIns="45700" rIns="91425" bIns="45700" anchor="t" anchorCtr="0">
-            <a:normAutofit/>
+            <a:noAutofit/>
           </a:bodyPr>
           <a:lstStyle/>
           <a:p>
             <a:pPr marL="342900" lvl="0" indent="-342900" algn="l" rtl="0">
               <a:lnSpc>
-                <a:spcPct val="110000"/>
+                <a:spcPct val="100000"/>
               </a:lnSpc>
               <a:spcBef>
                 <a:spcPts val="0"/>
@@ -27946,7 +27929,7 @@
               <a:buChar char="•"/>
             </a:pPr>
             <a:r>
-              <a:rPr lang="en-BE" dirty="0">
+              <a:rPr lang="en-BE" sz="3500" dirty="0">
                 <a:latin typeface="Calibri" panose="020F0502020204030204" pitchFamily="34" charset="0"/>
                 <a:ea typeface="Calibri" panose="020F0502020204030204" pitchFamily="34" charset="0"/>
                 <a:cs typeface="Calibri" panose="020F0502020204030204" pitchFamily="34" charset="0"/>
@@ -27957,7 +27940,7 @@
           <a:p>
             <a:pPr marL="342900" lvl="0" indent="-342900" algn="l" rtl="0">
               <a:lnSpc>
-                <a:spcPct val="110000"/>
+                <a:spcPct val="100000"/>
               </a:lnSpc>
               <a:spcBef>
                 <a:spcPts val="0"/>
@@ -27973,14 +27956,14 @@
               <a:buChar char="•"/>
             </a:pPr>
             <a:r>
-              <a:rPr lang="en-BE" dirty="0">
+              <a:rPr lang="en-BE" sz="3500" dirty="0">
                 <a:latin typeface="Calibri" panose="020F0502020204030204" pitchFamily="34" charset="0"/>
                 <a:ea typeface="Calibri" panose="020F0502020204030204" pitchFamily="34" charset="0"/>
                 <a:cs typeface="Calibri" panose="020F0502020204030204" pitchFamily="34" charset="0"/>
               </a:rPr>
               <a:t>Centralized Workflow &amp; Feature Branching</a:t>
             </a:r>
-            <a:endParaRPr dirty="0">
+            <a:endParaRPr sz="3500" dirty="0">
               <a:latin typeface="Calibri" panose="020F0502020204030204" pitchFamily="34" charset="0"/>
               <a:ea typeface="Calibri" panose="020F0502020204030204" pitchFamily="34" charset="0"/>
               <a:cs typeface="Calibri" panose="020F0502020204030204" pitchFamily="34" charset="0"/>
@@ -27989,7 +27972,7 @@
           <a:p>
             <a:pPr marL="342900" lvl="0" indent="-342900" algn="l" rtl="0">
               <a:lnSpc>
-                <a:spcPct val="110000"/>
+                <a:spcPct val="100000"/>
               </a:lnSpc>
               <a:spcBef>
                 <a:spcPts val="1000"/>
@@ -28005,7 +27988,7 @@
               <a:buChar char="•"/>
             </a:pPr>
             <a:r>
-              <a:rPr lang="en-BE" dirty="0" err="1">
+              <a:rPr lang="en-BE" sz="3500" dirty="0" err="1">
                 <a:latin typeface="Calibri" panose="020F0502020204030204" pitchFamily="34" charset="0"/>
                 <a:ea typeface="Calibri" panose="020F0502020204030204" pitchFamily="34" charset="0"/>
                 <a:cs typeface="Calibri" panose="020F0502020204030204" pitchFamily="34" charset="0"/>
@@ -28013,14 +27996,14 @@
               <a:t>Gitflow</a:t>
             </a:r>
             <a:r>
-              <a:rPr lang="en-BE" dirty="0">
+              <a:rPr lang="en-BE" sz="3500" dirty="0">
                 <a:latin typeface="Calibri" panose="020F0502020204030204" pitchFamily="34" charset="0"/>
                 <a:ea typeface="Calibri" panose="020F0502020204030204" pitchFamily="34" charset="0"/>
                 <a:cs typeface="Calibri" panose="020F0502020204030204" pitchFamily="34" charset="0"/>
               </a:rPr>
               <a:t> Workflow</a:t>
             </a:r>
-            <a:endParaRPr dirty="0">
+            <a:endParaRPr sz="3500" dirty="0">
               <a:latin typeface="Calibri" panose="020F0502020204030204" pitchFamily="34" charset="0"/>
               <a:ea typeface="Calibri" panose="020F0502020204030204" pitchFamily="34" charset="0"/>
               <a:cs typeface="Calibri" panose="020F0502020204030204" pitchFamily="34" charset="0"/>
@@ -28029,7 +28012,7 @@
           <a:p>
             <a:pPr marL="342900" lvl="0" indent="-342900" algn="l" rtl="0">
               <a:lnSpc>
-                <a:spcPct val="110000"/>
+                <a:spcPct val="100000"/>
               </a:lnSpc>
               <a:spcBef>
                 <a:spcPts val="1000"/>
@@ -28045,14 +28028,14 @@
               <a:buChar char="•"/>
             </a:pPr>
             <a:r>
-              <a:rPr lang="en-BE" dirty="0">
+              <a:rPr lang="en-BE" sz="3500" dirty="0">
                 <a:latin typeface="Calibri" panose="020F0502020204030204" pitchFamily="34" charset="0"/>
                 <a:ea typeface="Calibri" panose="020F0502020204030204" pitchFamily="34" charset="0"/>
                 <a:cs typeface="Calibri" panose="020F0502020204030204" pitchFamily="34" charset="0"/>
               </a:rPr>
               <a:t>GitHub Workflow</a:t>
             </a:r>
-            <a:endParaRPr dirty="0">
+            <a:endParaRPr sz="3500" dirty="0">
               <a:latin typeface="Calibri" panose="020F0502020204030204" pitchFamily="34" charset="0"/>
               <a:ea typeface="Calibri" panose="020F0502020204030204" pitchFamily="34" charset="0"/>
               <a:cs typeface="Calibri" panose="020F0502020204030204" pitchFamily="34" charset="0"/>
@@ -28061,7 +28044,7 @@
           <a:p>
             <a:pPr marL="342900" lvl="0" indent="-342900" algn="l" rtl="0">
               <a:lnSpc>
-                <a:spcPct val="110000"/>
+                <a:spcPct val="100000"/>
               </a:lnSpc>
               <a:spcBef>
                 <a:spcPts val="1000"/>
@@ -28077,14 +28060,14 @@
               <a:buChar char="•"/>
             </a:pPr>
             <a:r>
-              <a:rPr lang="en-BE" dirty="0">
+              <a:rPr lang="en-BE" sz="3500" dirty="0">
                 <a:latin typeface="Calibri" panose="020F0502020204030204" pitchFamily="34" charset="0"/>
                 <a:ea typeface="Calibri" panose="020F0502020204030204" pitchFamily="34" charset="0"/>
                 <a:cs typeface="Calibri" panose="020F0502020204030204" pitchFamily="34" charset="0"/>
               </a:rPr>
               <a:t>Trunk-based Development</a:t>
             </a:r>
-            <a:endParaRPr dirty="0">
+            <a:endParaRPr sz="3500" dirty="0">
               <a:latin typeface="Calibri" panose="020F0502020204030204" pitchFamily="34" charset="0"/>
               <a:ea typeface="Calibri" panose="020F0502020204030204" pitchFamily="34" charset="0"/>
               <a:cs typeface="Calibri" panose="020F0502020204030204" pitchFamily="34" charset="0"/>
@@ -28242,10 +28225,10 @@
               <a:buNone/>
             </a:pPr>
             <a:r>
-              <a:rPr lang="en-BE" dirty="0"/>
+              <a:rPr lang="en-BE" sz="6000" dirty="0"/>
               <a:t>A word on workflows</a:t>
             </a:r>
-            <a:endParaRPr dirty="0"/>
+            <a:endParaRPr sz="6000" dirty="0"/>
           </a:p>
         </p:txBody>
       </p:sp>
@@ -28267,22 +28250,24 @@
         </p:nvSpPr>
         <p:spPr/>
         <p:txBody>
-          <a:bodyPr/>
+          <a:bodyPr>
+            <a:noAutofit/>
+          </a:bodyPr>
           <a:lstStyle/>
           <a:p>
             <a:r>
-              <a:rPr lang="en-BE" dirty="0"/>
+              <a:rPr lang="en-BE" sz="3500" dirty="0"/>
               <a:t>Workflows are usually </a:t>
             </a:r>
             <a:r>
-              <a:rPr lang="en-BE" i="1" dirty="0"/>
+              <a:rPr lang="en-BE" sz="3500" i="1" dirty="0"/>
               <a:t>branching strategy</a:t>
             </a:r>
-            <a:endParaRPr lang="en-BE" dirty="0"/>
-          </a:p>
-          <a:p>
-            <a:r>
-              <a:rPr lang="en-BE" dirty="0"/>
+            <a:endParaRPr lang="en-BE" sz="3500" dirty="0"/>
+          </a:p>
+          <a:p>
+            <a:r>
+              <a:rPr lang="en-BE" sz="3500" dirty="0"/>
               <a:t>Meant to describe how to use branches via a flow</a:t>
             </a:r>
           </a:p>
@@ -28396,7 +28381,7 @@
         </p:spPr>
         <p:txBody>
           <a:bodyPr spcFirstLastPara="1" wrap="square" lIns="91425" tIns="45700" rIns="91425" bIns="45700" anchor="ctr" anchorCtr="0">
-            <a:normAutofit/>
+            <a:noAutofit/>
           </a:bodyPr>
           <a:lstStyle/>
           <a:p>
@@ -28418,10 +28403,10 @@
               <a:buNone/>
             </a:pPr>
             <a:r>
-              <a:rPr lang="en-BE"/>
+              <a:rPr lang="en-BE" sz="6000" dirty="0"/>
               <a:t>Centralized Workflow &amp; Feature Branching</a:t>
             </a:r>
-            <a:endParaRPr/>
+            <a:endParaRPr sz="6000" dirty="0"/>
           </a:p>
         </p:txBody>
       </p:sp>
@@ -28444,8 +28429,8 @@
         </p:blipFill>
         <p:spPr>
           <a:xfrm>
-            <a:off x="2225329" y="1690688"/>
-            <a:ext cx="7620000" cy="4314825"/>
+            <a:off x="2512828" y="3429000"/>
+            <a:ext cx="7166343" cy="3187885"/>
           </a:xfrm>
           <a:prstGeom prst="rect">
             <a:avLst/>
@@ -28523,7 +28508,7 @@
         <p:spPr>
           <a:xfrm>
             <a:off x="931735" y="1690688"/>
-            <a:ext cx="4515662" cy="923330"/>
+            <a:ext cx="9034936" cy="1708120"/>
           </a:xfrm>
           <a:prstGeom prst="rect">
             <a:avLst/>
@@ -28554,7 +28539,7 @@
               <a:buChar char="⮚"/>
             </a:pPr>
             <a:r>
-              <a:rPr lang="en-BE" sz="1800">
+              <a:rPr lang="en-BE" sz="3500" dirty="0">
                 <a:solidFill>
                   <a:schemeClr val="dk1"/>
                 </a:solidFill>
@@ -28565,7 +28550,7 @@
               </a:rPr>
               <a:t>Everybody works on the same branch</a:t>
             </a:r>
-            <a:endParaRPr/>
+            <a:endParaRPr sz="3500" dirty="0"/>
           </a:p>
           <a:p>
             <a:pPr marL="285750" marR="0" lvl="0" indent="-285750" algn="l" rtl="0">
@@ -28583,7 +28568,7 @@
               <a:buChar char="⮚"/>
             </a:pPr>
             <a:r>
-              <a:rPr lang="en-BE" sz="1800">
+              <a:rPr lang="en-BE" sz="3500" dirty="0">
                 <a:solidFill>
                   <a:schemeClr val="dk1"/>
                 </a:solidFill>
@@ -28594,7 +28579,7 @@
               </a:rPr>
               <a:t>Before pushing, you need to merge locally</a:t>
             </a:r>
-            <a:endParaRPr/>
+            <a:endParaRPr sz="3500" dirty="0"/>
           </a:p>
           <a:p>
             <a:pPr marL="285750" marR="0" lvl="0" indent="-285750" algn="l" rtl="0">
@@ -28612,7 +28597,7 @@
               <a:buChar char="⮚"/>
             </a:pPr>
             <a:r>
-              <a:rPr lang="en-BE" sz="1800">
+              <a:rPr lang="en-BE" sz="3500" dirty="0">
                 <a:solidFill>
                   <a:schemeClr val="dk1"/>
                 </a:solidFill>
@@ -28624,7 +28609,7 @@
               <a:t>This means: </a:t>
             </a:r>
             <a:r>
-              <a:rPr lang="en-BE" sz="1800" i="1">
+              <a:rPr lang="en-BE" sz="3500" i="1" dirty="0">
                 <a:solidFill>
                   <a:schemeClr val="dk1"/>
                 </a:solidFill>
@@ -28635,7 +28620,7 @@
               </a:rPr>
               <a:t>manage merge conflicts</a:t>
             </a:r>
-            <a:endParaRPr sz="1800">
+            <a:endParaRPr sz="3500" dirty="0">
               <a:solidFill>
                 <a:schemeClr val="dk1"/>
               </a:solidFill>
@@ -28915,7 +28900,7 @@
         </p:spPr>
         <p:txBody>
           <a:bodyPr spcFirstLastPara="1" wrap="square" lIns="91425" tIns="45700" rIns="91425" bIns="45700" anchor="ctr" anchorCtr="0">
-            <a:normAutofit/>
+            <a:noAutofit/>
           </a:bodyPr>
           <a:lstStyle/>
           <a:p>
@@ -28937,10 +28922,10 @@
               <a:buNone/>
             </a:pPr>
             <a:r>
-              <a:rPr lang="en-BE"/>
+              <a:rPr lang="en-BE" sz="6000" dirty="0"/>
               <a:t>Centralized Workflow &amp; Feature Branching</a:t>
             </a:r>
-            <a:endParaRPr/>
+            <a:endParaRPr sz="6000" dirty="0"/>
           </a:p>
         </p:txBody>
       </p:sp>
@@ -28963,7 +28948,7 @@
         </p:blipFill>
         <p:spPr>
           <a:xfrm>
-            <a:off x="2225329" y="3176588"/>
+            <a:off x="2286000" y="4052858"/>
             <a:ext cx="7620000" cy="1343025"/>
           </a:xfrm>
           <a:prstGeom prst="rect">
@@ -29041,8 +29026,8 @@
         </p:nvSpPr>
         <p:spPr>
           <a:xfrm>
-            <a:off x="931735" y="1690688"/>
-            <a:ext cx="4515662" cy="923330"/>
+            <a:off x="931734" y="1690688"/>
+            <a:ext cx="10870405" cy="1708120"/>
           </a:xfrm>
           <a:prstGeom prst="rect">
             <a:avLst/>
@@ -29073,7 +29058,7 @@
               <a:buChar char="⮚"/>
             </a:pPr>
             <a:r>
-              <a:rPr lang="en-BE" sz="1800">
+              <a:rPr lang="en-BE" sz="3500" dirty="0">
                 <a:solidFill>
                   <a:schemeClr val="dk1"/>
                 </a:solidFill>
@@ -29084,7 +29069,7 @@
               </a:rPr>
               <a:t>Everybody works on a branch</a:t>
             </a:r>
-            <a:endParaRPr/>
+            <a:endParaRPr sz="3500" dirty="0"/>
           </a:p>
           <a:p>
             <a:pPr marL="285750" marR="0" lvl="0" indent="-285750" algn="l" rtl="0">
@@ -29102,7 +29087,7 @@
               <a:buChar char="⮚"/>
             </a:pPr>
             <a:r>
-              <a:rPr lang="en-BE" sz="1800">
+              <a:rPr lang="en-BE" sz="3500" dirty="0">
                 <a:solidFill>
                   <a:schemeClr val="dk1"/>
                 </a:solidFill>
@@ -29113,7 +29098,7 @@
               </a:rPr>
               <a:t>You merge your branch once you’re done</a:t>
             </a:r>
-            <a:endParaRPr/>
+            <a:endParaRPr sz="3500" dirty="0"/>
           </a:p>
           <a:p>
             <a:pPr marL="285750" marR="0" lvl="0" indent="-285750" algn="l" rtl="0">
@@ -29131,7 +29116,7 @@
               <a:buChar char="⮚"/>
             </a:pPr>
             <a:r>
-              <a:rPr lang="en-BE" sz="1800">
+              <a:rPr lang="en-BE" sz="3500" dirty="0">
                 <a:solidFill>
                   <a:schemeClr val="dk1"/>
                 </a:solidFill>
@@ -29142,7 +29127,7 @@
               </a:rPr>
               <a:t>!! Possible (but avoidable) merge conflicts</a:t>
             </a:r>
-            <a:endParaRPr/>
+            <a:endParaRPr sz="3500" dirty="0"/>
           </a:p>
         </p:txBody>
       </p:sp>
@@ -29431,10 +29416,10 @@
               <a:buNone/>
             </a:pPr>
             <a:r>
-              <a:rPr lang="en-BE"/>
+              <a:rPr lang="en-BE" sz="6000" dirty="0"/>
               <a:t>Gitflow Workflow</a:t>
             </a:r>
-            <a:endParaRPr/>
+            <a:endParaRPr sz="6000" dirty="0"/>
           </a:p>
         </p:txBody>
       </p:sp>
@@ -30678,10 +30663,10 @@
               <a:buNone/>
             </a:pPr>
             <a:r>
-              <a:rPr lang="en-BE" dirty="0"/>
+              <a:rPr lang="en-BE" sz="6000" dirty="0"/>
               <a:t>GitHub Workflow</a:t>
             </a:r>
-            <a:endParaRPr dirty="0"/>
+            <a:endParaRPr sz="6000" dirty="0"/>
           </a:p>
         </p:txBody>
       </p:sp>
@@ -30873,10 +30858,10 @@
               <a:buNone/>
             </a:pPr>
             <a:r>
-              <a:rPr lang="en-BE" dirty="0"/>
+              <a:rPr lang="en-BE" sz="6000" dirty="0"/>
               <a:t>Trunk-Based Development</a:t>
             </a:r>
-            <a:endParaRPr dirty="0"/>
+            <a:endParaRPr sz="6000" dirty="0"/>
           </a:p>
         </p:txBody>
       </p:sp>
@@ -31135,10 +31120,10 @@
               <a:buNone/>
             </a:pPr>
             <a:r>
-              <a:rPr lang="en-BE" dirty="0"/>
+              <a:rPr lang="en-BE" sz="6000" dirty="0"/>
               <a:t>Trunk-Based Development</a:t>
             </a:r>
-            <a:endParaRPr dirty="0"/>
+            <a:endParaRPr sz="6000" dirty="0"/>
           </a:p>
         </p:txBody>
       </p:sp>
@@ -31524,10 +31509,10 @@
               <a:buNone/>
             </a:pPr>
             <a:r>
-              <a:rPr lang="en-BE"/>
+              <a:rPr lang="en-BE" sz="7200" dirty="0"/>
               <a:t>Table of Contents</a:t>
             </a:r>
-            <a:endParaRPr/>
+            <a:endParaRPr sz="7200" dirty="0"/>
           </a:p>
         </p:txBody>
       </p:sp>
@@ -31577,10 +31562,10 @@
               <a:buChar char="•"/>
             </a:pPr>
             <a:r>
-              <a:rPr lang="en-BE"/>
+              <a:rPr lang="en-BE" sz="5000" dirty="0"/>
               <a:t>Version Control</a:t>
             </a:r>
-            <a:endParaRPr/>
+            <a:endParaRPr sz="5000" dirty="0"/>
           </a:p>
           <a:p>
             <a:pPr marL="228600" lvl="0" indent="-228600" algn="l" rtl="0">
@@ -31600,10 +31585,10 @@
               <a:buChar char="•"/>
             </a:pPr>
             <a:r>
-              <a:rPr lang="en-BE"/>
+              <a:rPr lang="en-BE" sz="5000" dirty="0"/>
               <a:t>The “Git” Tool</a:t>
             </a:r>
-            <a:endParaRPr/>
+            <a:endParaRPr sz="5000" dirty="0"/>
           </a:p>
           <a:p>
             <a:pPr marL="228600" lvl="0" indent="-228600" algn="l" rtl="0">
@@ -31623,10 +31608,10 @@
               <a:buChar char="•"/>
             </a:pPr>
             <a:r>
-              <a:rPr lang="en-BE"/>
+              <a:rPr lang="en-BE" sz="5000" dirty="0"/>
               <a:t>Workflows</a:t>
             </a:r>
-            <a:endParaRPr/>
+            <a:endParaRPr sz="5000" dirty="0"/>
           </a:p>
           <a:p>
             <a:pPr marL="228600" lvl="0" indent="-228600" algn="l" rtl="0">
@@ -31646,10 +31631,10 @@
               <a:buChar char="•"/>
             </a:pPr>
             <a:r>
-              <a:rPr lang="en-BE"/>
+              <a:rPr lang="en-BE" sz="5000" dirty="0"/>
               <a:t>Apps &amp; Websites</a:t>
             </a:r>
-            <a:endParaRPr/>
+            <a:endParaRPr sz="5000" dirty="0"/>
           </a:p>
           <a:p>
             <a:pPr marL="228600" lvl="0" indent="-50800" algn="l" rtl="0">
@@ -31668,7 +31653,7 @@
               <a:buSzPts val="2800"/>
               <a:buNone/>
             </a:pPr>
-            <a:endParaRPr/>
+            <a:endParaRPr sz="5000" dirty="0"/>
           </a:p>
         </p:txBody>
       </p:sp>
@@ -31744,10 +31729,10 @@
               <a:buNone/>
             </a:pPr>
             <a:r>
-              <a:rPr lang="en-BE"/>
+              <a:rPr lang="en-BE" sz="7200" dirty="0"/>
               <a:t>Apps &amp; Websites</a:t>
             </a:r>
-            <a:endParaRPr/>
+            <a:endParaRPr sz="7200" dirty="0"/>
           </a:p>
         </p:txBody>
       </p:sp>
@@ -31776,7 +31761,7 @@
         </p:spPr>
         <p:txBody>
           <a:bodyPr spcFirstLastPara="1" wrap="square" lIns="91425" tIns="45700" rIns="91425" bIns="45700" anchor="t" anchorCtr="0">
-            <a:normAutofit/>
+            <a:noAutofit/>
           </a:bodyPr>
           <a:lstStyle/>
           <a:p>
@@ -31798,18 +31783,18 @@
               <a:buChar char="•"/>
             </a:pPr>
             <a:r>
-              <a:rPr lang="en-BE" dirty="0"/>
+              <a:rPr lang="en-BE" sz="3500" dirty="0"/>
               <a:t>Websites (GitHub, GitLab, </a:t>
             </a:r>
             <a:r>
-              <a:rPr lang="en-BE" dirty="0" err="1"/>
+              <a:rPr lang="en-BE" sz="3500" dirty="0" err="1"/>
               <a:t>BitBucket</a:t>
             </a:r>
             <a:r>
-              <a:rPr lang="en-BE" dirty="0"/>
+              <a:rPr lang="en-BE" sz="3500" dirty="0"/>
               <a:t>, ...)</a:t>
             </a:r>
-            <a:endParaRPr dirty="0"/>
+            <a:endParaRPr sz="3500" dirty="0"/>
           </a:p>
           <a:p>
             <a:pPr marL="342900" lvl="0" indent="-342900" algn="l" rtl="0">
@@ -31830,18 +31815,14 @@
               <a:buChar char="•"/>
             </a:pPr>
             <a:r>
-              <a:rPr lang="en-BE" dirty="0"/>
-              <a:t>Graphical User Interfaces (</a:t>
-            </a:r>
-            <a:r>
-              <a:rPr lang="en-BE" dirty="0" err="1"/>
-              <a:t>GitKraken</a:t>
-            </a:r>
-            <a:r>
-              <a:rPr lang="en-BE" dirty="0"/>
-              <a:t>, GitHub Desktop, SourceTree, ...)</a:t>
-            </a:r>
-            <a:endParaRPr dirty="0"/>
+              <a:rPr lang="en-US" sz="3500" dirty="0"/>
+              <a:t>Apps </a:t>
+            </a:r>
+            <a:r>
+              <a:rPr lang="en-BE" sz="3500" dirty="0"/>
+              <a:t>(GitKraken, GitHub Desktop, SourceTree, ...)</a:t>
+            </a:r>
+            <a:endParaRPr sz="3500" dirty="0"/>
           </a:p>
         </p:txBody>
       </p:sp>
@@ -31917,10 +31898,10 @@
               <a:buNone/>
             </a:pPr>
             <a:r>
-              <a:rPr lang="en-BE"/>
+              <a:rPr lang="en-BE" sz="6000" dirty="0"/>
               <a:t>Websites</a:t>
             </a:r>
-            <a:endParaRPr/>
+            <a:endParaRPr sz="6000" dirty="0"/>
           </a:p>
         </p:txBody>
       </p:sp>
@@ -31970,10 +31951,10 @@
               <a:buNone/>
             </a:pPr>
             <a:r>
-              <a:rPr lang="en-BE"/>
+              <a:rPr lang="en-BE" sz="3500" dirty="0"/>
               <a:t>Git Hosting Services</a:t>
             </a:r>
-            <a:endParaRPr/>
+            <a:endParaRPr sz="3500" dirty="0"/>
           </a:p>
           <a:p>
             <a:pPr marL="228600" lvl="0" indent="-50800" algn="l" rtl="0">
@@ -31992,7 +31973,7 @@
               <a:buSzPts val="2800"/>
               <a:buNone/>
             </a:pPr>
-            <a:endParaRPr/>
+            <a:endParaRPr sz="3500" dirty="0"/>
           </a:p>
           <a:p>
             <a:pPr marL="685800" lvl="1" indent="-228600" algn="l" rtl="0">
@@ -32012,10 +31993,10 @@
               <a:buChar char="•"/>
             </a:pPr>
             <a:r>
-              <a:rPr lang="en-BE"/>
+              <a:rPr lang="en-BE" sz="3500" dirty="0"/>
               <a:t>GitHub</a:t>
             </a:r>
-            <a:endParaRPr/>
+            <a:endParaRPr sz="3500" dirty="0"/>
           </a:p>
           <a:p>
             <a:pPr marL="685800" lvl="1" indent="-228600" algn="l" rtl="0">
@@ -32035,10 +32016,10 @@
               <a:buChar char="•"/>
             </a:pPr>
             <a:r>
-              <a:rPr lang="en-BE"/>
+              <a:rPr lang="en-BE" sz="3500" dirty="0"/>
               <a:t>GitLab</a:t>
             </a:r>
-            <a:endParaRPr/>
+            <a:endParaRPr sz="3500" dirty="0"/>
           </a:p>
           <a:p>
             <a:pPr marL="685800" lvl="1" indent="-228600" algn="l" rtl="0">
@@ -32058,10 +32039,33 @@
               <a:buChar char="•"/>
             </a:pPr>
             <a:r>
-              <a:rPr lang="en-BE"/>
-              <a:t>Microsoft Azure DevOps</a:t>
-            </a:r>
-            <a:endParaRPr/>
+              <a:rPr lang="en-BE" sz="3500" dirty="0"/>
+              <a:t>Microsoft Azure </a:t>
+            </a:r>
+            <a:endParaRPr lang="en-US" sz="3500" dirty="0"/>
+          </a:p>
+          <a:p>
+            <a:pPr marL="457200" lvl="1" indent="0" algn="l" rtl="0">
+              <a:lnSpc>
+                <a:spcPct val="90000"/>
+              </a:lnSpc>
+              <a:spcBef>
+                <a:spcPts val="500"/>
+              </a:spcBef>
+              <a:spcAft>
+                <a:spcPts val="0"/>
+              </a:spcAft>
+              <a:buClr>
+                <a:schemeClr val="dk1"/>
+              </a:buClr>
+              <a:buSzPts val="2400"/>
+              <a:buNone/>
+            </a:pPr>
+            <a:r>
+              <a:rPr lang="en-BE" sz="3500" dirty="0"/>
+              <a:t>DevOps</a:t>
+            </a:r>
+            <a:endParaRPr sz="3500" dirty="0"/>
           </a:p>
           <a:p>
             <a:pPr marL="685800" lvl="1" indent="-228600" algn="l" rtl="0">
@@ -32081,10 +32085,10 @@
               <a:buChar char="•"/>
             </a:pPr>
             <a:r>
-              <a:rPr lang="en-BE"/>
+              <a:rPr lang="en-BE" sz="3500" dirty="0"/>
               <a:t>...</a:t>
             </a:r>
-            <a:endParaRPr/>
+            <a:endParaRPr sz="3500" dirty="0"/>
           </a:p>
           <a:p>
             <a:pPr marL="685800" lvl="1" indent="-76200" algn="l" rtl="0">
@@ -32103,7 +32107,7 @@
               <a:buSzPts val="2400"/>
               <a:buNone/>
             </a:pPr>
-            <a:endParaRPr/>
+            <a:endParaRPr sz="3500" dirty="0"/>
           </a:p>
           <a:p>
             <a:pPr marL="685800" lvl="1" indent="-76200" algn="l" rtl="0">
@@ -32122,7 +32126,7 @@
               <a:buSzPts val="2400"/>
               <a:buNone/>
             </a:pPr>
-            <a:endParaRPr/>
+            <a:endParaRPr sz="3500" dirty="0"/>
           </a:p>
         </p:txBody>
       </p:sp>
@@ -32543,10 +32547,10 @@
               <a:buNone/>
             </a:pPr>
             <a:r>
-              <a:rPr lang="en-BE"/>
-              <a:t>Graphical User Interfaces</a:t>
-            </a:r>
-            <a:endParaRPr/>
+              <a:rPr lang="en-US" sz="6000" dirty="0"/>
+              <a:t>Apps</a:t>
+            </a:r>
+            <a:endParaRPr sz="6000" dirty="0"/>
           </a:p>
         </p:txBody>
       </p:sp>
@@ -32596,10 +32600,10 @@
               <a:buNone/>
             </a:pPr>
             <a:r>
-              <a:rPr lang="en-BE"/>
+              <a:rPr lang="en-BE" sz="3500" dirty="0"/>
               <a:t>Bye bye command-line-interface! Welcome GUI!</a:t>
             </a:r>
-            <a:endParaRPr/>
+            <a:endParaRPr sz="3500" dirty="0"/>
           </a:p>
           <a:p>
             <a:pPr marL="228600" lvl="0" indent="-50800" algn="l" rtl="0">
@@ -32618,7 +32622,7 @@
               <a:buSzPts val="2800"/>
               <a:buNone/>
             </a:pPr>
-            <a:endParaRPr/>
+            <a:endParaRPr sz="3500" dirty="0"/>
           </a:p>
           <a:p>
             <a:pPr marL="685800" lvl="1" indent="-228600" algn="l" rtl="0">
@@ -32638,10 +32642,10 @@
               <a:buChar char="•"/>
             </a:pPr>
             <a:r>
-              <a:rPr lang="en-BE"/>
+              <a:rPr lang="en-BE" sz="3500" dirty="0"/>
               <a:t>GitKraken</a:t>
             </a:r>
-            <a:endParaRPr/>
+            <a:endParaRPr sz="3500" dirty="0"/>
           </a:p>
           <a:p>
             <a:pPr marL="685800" lvl="1" indent="-228600" algn="l" rtl="0">
@@ -32661,10 +32665,10 @@
               <a:buChar char="•"/>
             </a:pPr>
             <a:r>
-              <a:rPr lang="en-BE"/>
+              <a:rPr lang="en-BE" sz="3500" dirty="0"/>
               <a:t>GitHub Desktop</a:t>
             </a:r>
-            <a:endParaRPr/>
+            <a:endParaRPr sz="3500" dirty="0"/>
           </a:p>
           <a:p>
             <a:pPr marL="685800" lvl="1" indent="-228600" algn="l" rtl="0">
@@ -32684,10 +32688,10 @@
               <a:buChar char="•"/>
             </a:pPr>
             <a:r>
-              <a:rPr lang="en-BE"/>
+              <a:rPr lang="en-BE" sz="3500" dirty="0"/>
               <a:t>SourceTree</a:t>
             </a:r>
-            <a:endParaRPr/>
+            <a:endParaRPr sz="3500" dirty="0"/>
           </a:p>
           <a:p>
             <a:pPr marL="685800" lvl="1" indent="-228600" algn="l" rtl="0">
@@ -32707,10 +32711,10 @@
               <a:buChar char="•"/>
             </a:pPr>
             <a:r>
-              <a:rPr lang="en-BE"/>
+              <a:rPr lang="en-BE" sz="3500" dirty="0"/>
               <a:t>...</a:t>
             </a:r>
-            <a:endParaRPr/>
+            <a:endParaRPr sz="3500" dirty="0"/>
           </a:p>
           <a:p>
             <a:pPr marL="685800" lvl="1" indent="-76200" algn="l" rtl="0">
@@ -32729,7 +32733,7 @@
               <a:buSzPts val="2400"/>
               <a:buNone/>
             </a:pPr>
-            <a:endParaRPr/>
+            <a:endParaRPr sz="3500" dirty="0"/>
           </a:p>
           <a:p>
             <a:pPr marL="685800" lvl="1" indent="-76200" algn="l" rtl="0">
@@ -32748,7 +32752,7 @@
               <a:buSzPts val="2400"/>
               <a:buNone/>
             </a:pPr>
-            <a:endParaRPr/>
+            <a:endParaRPr sz="3500" dirty="0"/>
           </a:p>
         </p:txBody>
       </p:sp>
@@ -32909,10 +32913,10 @@
               <a:buNone/>
             </a:pPr>
             <a:r>
-              <a:rPr lang="en-BE"/>
+              <a:rPr lang="en-BE" sz="6000" dirty="0"/>
               <a:t>Feedback from Professionals</a:t>
             </a:r>
-            <a:endParaRPr/>
+            <a:endParaRPr sz="6000" dirty="0"/>
           </a:p>
         </p:txBody>
       </p:sp>
@@ -33046,10 +33050,10 @@
               <a:buNone/>
             </a:pPr>
             <a:r>
-              <a:rPr lang="en-BE"/>
+              <a:rPr lang="en-BE" dirty="0"/>
               <a:t>Version Control</a:t>
             </a:r>
-            <a:endParaRPr/>
+            <a:endParaRPr dirty="0"/>
           </a:p>
         </p:txBody>
       </p:sp>
@@ -33100,10 +33104,10 @@
               <a:buChar char="•"/>
             </a:pPr>
             <a:r>
-              <a:rPr lang="en-BE"/>
+              <a:rPr lang="en-BE" sz="2800" dirty="0"/>
               <a:t>What is it?</a:t>
             </a:r>
-            <a:endParaRPr/>
+            <a:endParaRPr sz="2800" dirty="0"/>
           </a:p>
           <a:p>
             <a:pPr marL="342900" lvl="0" indent="-342900" algn="l" rtl="0">
@@ -33124,10 +33128,10 @@
               <a:buChar char="•"/>
             </a:pPr>
             <a:r>
-              <a:rPr lang="en-BE"/>
+              <a:rPr lang="en-BE" sz="2800" dirty="0"/>
               <a:t>What are the advantages?</a:t>
             </a:r>
-            <a:endParaRPr/>
+            <a:endParaRPr sz="2800" dirty="0"/>
           </a:p>
         </p:txBody>
       </p:sp>
@@ -33203,10 +33207,10 @@
               <a:buNone/>
             </a:pPr>
             <a:r>
-              <a:rPr lang="en-BE"/>
+              <a:rPr lang="en-BE" sz="6000" dirty="0"/>
               <a:t>What is it?</a:t>
             </a:r>
-            <a:endParaRPr/>
+            <a:endParaRPr sz="6000" dirty="0"/>
           </a:p>
         </p:txBody>
       </p:sp>
@@ -33256,10 +33260,10 @@
               <a:buNone/>
             </a:pPr>
             <a:r>
-              <a:rPr lang="en-BE"/>
+              <a:rPr lang="en-BE" sz="3500" dirty="0"/>
               <a:t>Practice of tracking &amp; managing changes of files</a:t>
             </a:r>
-            <a:endParaRPr/>
+            <a:endParaRPr sz="3500" dirty="0"/>
           </a:p>
           <a:p>
             <a:pPr marL="228600" lvl="0" indent="-50800" algn="l" rtl="0">
@@ -33278,7 +33282,7 @@
               <a:buSzPts val="2800"/>
               <a:buNone/>
             </a:pPr>
-            <a:endParaRPr/>
+            <a:endParaRPr sz="3500" dirty="0"/>
           </a:p>
           <a:p>
             <a:pPr marL="228600" lvl="0" indent="-228600" algn="l" rtl="0">
@@ -33298,10 +33302,10 @@
               <a:buChar char="•"/>
             </a:pPr>
             <a:r>
-              <a:rPr lang="en-BE"/>
+              <a:rPr lang="en-BE" sz="3500" dirty="0"/>
               <a:t>Every modification</a:t>
             </a:r>
-            <a:endParaRPr/>
+            <a:endParaRPr sz="3500" dirty="0"/>
           </a:p>
           <a:p>
             <a:pPr marL="228600" lvl="0" indent="-228600" algn="l" rtl="0">
@@ -33321,10 +33325,10 @@
               <a:buChar char="•"/>
             </a:pPr>
             <a:r>
-              <a:rPr lang="en-BE"/>
+              <a:rPr lang="en-BE" sz="3500" dirty="0"/>
               <a:t>Line by line</a:t>
             </a:r>
-            <a:endParaRPr/>
+            <a:endParaRPr sz="3500" dirty="0"/>
           </a:p>
           <a:p>
             <a:pPr marL="228600" lvl="0" indent="-228600" algn="l" rtl="0">
@@ -33344,10 +33348,10 @@
               <a:buChar char="•"/>
             </a:pPr>
             <a:r>
-              <a:rPr lang="en-BE"/>
+              <a:rPr lang="en-BE" sz="3500" dirty="0"/>
               <a:t>Backup</a:t>
             </a:r>
-            <a:endParaRPr/>
+            <a:endParaRPr sz="3500" dirty="0"/>
           </a:p>
           <a:p>
             <a:pPr marL="228600" lvl="0" indent="-228600" algn="l" rtl="0">
@@ -33367,10 +33371,10 @@
               <a:buChar char="•"/>
             </a:pPr>
             <a:r>
-              <a:rPr lang="en-BE"/>
+              <a:rPr lang="en-BE" sz="3500" dirty="0"/>
               <a:t>History</a:t>
             </a:r>
-            <a:endParaRPr/>
+            <a:endParaRPr sz="3500" dirty="0"/>
           </a:p>
         </p:txBody>
       </p:sp>
@@ -33504,10 +33508,10 @@
               <a:buNone/>
             </a:pPr>
             <a:r>
-              <a:rPr lang="en-BE"/>
+              <a:rPr lang="en-BE" sz="6000" dirty="0"/>
               <a:t>What are the advantages?</a:t>
             </a:r>
-            <a:endParaRPr/>
+            <a:endParaRPr sz="6000" dirty="0"/>
           </a:p>
         </p:txBody>
       </p:sp>
@@ -33557,10 +33561,10 @@
               <a:buChar char="•"/>
             </a:pPr>
             <a:r>
-              <a:rPr lang="en-BE" dirty="0"/>
+              <a:rPr lang="en-BE" sz="3500" dirty="0"/>
               <a:t>History of every file</a:t>
             </a:r>
-            <a:endParaRPr dirty="0"/>
+            <a:endParaRPr sz="3500" dirty="0"/>
           </a:p>
           <a:p>
             <a:pPr marL="228600" lvl="0" indent="-50800" algn="l" rtl="0">
@@ -33579,7 +33583,7 @@
               <a:buSzPts val="2800"/>
               <a:buNone/>
             </a:pPr>
-            <a:endParaRPr dirty="0"/>
+            <a:endParaRPr sz="3500" dirty="0"/>
           </a:p>
           <a:p>
             <a:pPr marL="228600" lvl="0" indent="-228600" algn="l" rtl="0">
@@ -33599,7 +33603,7 @@
               <a:buChar char="•"/>
             </a:pPr>
             <a:r>
-              <a:rPr lang="en-BE" dirty="0"/>
+              <a:rPr lang="en-BE" sz="3500" dirty="0"/>
               <a:t>Traceability</a:t>
             </a:r>
           </a:p>
@@ -33620,7 +33624,7 @@
               <a:buSzPts val="2800"/>
               <a:buChar char="•"/>
             </a:pPr>
-            <a:endParaRPr lang="en-BE" dirty="0"/>
+            <a:endParaRPr lang="en-BE" sz="3500" dirty="0"/>
           </a:p>
           <a:p>
             <a:pPr marL="228600" lvl="0" indent="-228600" algn="l" rtl="0">
@@ -33640,18 +33644,18 @@
               <a:buChar char="•"/>
             </a:pPr>
             <a:r>
-              <a:rPr lang="fr-BE" dirty="0" err="1"/>
+              <a:rPr lang="fr-BE" sz="3500" dirty="0" err="1"/>
               <a:t>Branching</a:t>
             </a:r>
             <a:r>
-              <a:rPr lang="fr-BE" dirty="0"/>
+              <a:rPr lang="fr-BE" sz="3500" dirty="0"/>
               <a:t> &amp; </a:t>
             </a:r>
             <a:r>
-              <a:rPr lang="fr-BE" dirty="0" err="1"/>
+              <a:rPr lang="fr-BE" sz="3500" dirty="0" err="1"/>
               <a:t>merging</a:t>
             </a:r>
-            <a:endParaRPr lang="fr-BE" dirty="0"/>
+            <a:endParaRPr lang="fr-BE" sz="3500" dirty="0"/>
           </a:p>
         </p:txBody>
       </p:sp>
@@ -33974,10 +33978,10 @@
               <a:buNone/>
             </a:pPr>
             <a:r>
-              <a:rPr lang="en-BE"/>
+              <a:rPr lang="en-BE" sz="6000" dirty="0"/>
               <a:t>What are the advantages?</a:t>
             </a:r>
-            <a:endParaRPr/>
+            <a:endParaRPr sz="6000" dirty="0"/>
           </a:p>
         </p:txBody>
       </p:sp>
@@ -34017,7 +34021,7 @@
               <a:buSzPts val="2800"/>
             </a:pPr>
             <a:r>
-              <a:rPr lang="en-BE" dirty="0"/>
+              <a:rPr lang="en-BE" sz="3500" dirty="0"/>
               <a:t>Possible to work without a Version Control System</a:t>
             </a:r>
           </a:p>
@@ -34029,10 +34033,10 @@
               <a:buSzPts val="2800"/>
             </a:pPr>
             <a:r>
-              <a:rPr lang="en-BE" dirty="0"/>
+              <a:rPr lang="en-BE" sz="3500" dirty="0"/>
               <a:t>Not advised as highly subject to risks</a:t>
             </a:r>
-            <a:endParaRPr dirty="0"/>
+            <a:endParaRPr sz="3500" dirty="0"/>
           </a:p>
         </p:txBody>
       </p:sp>
@@ -34103,7 +34107,7 @@
         <p:spPr>
           <a:xfrm flipH="1">
             <a:off x="838199" y="3308796"/>
-            <a:ext cx="10515599" cy="954107"/>
+            <a:ext cx="10515599" cy="1169511"/>
           </a:xfrm>
           <a:prstGeom prst="rect">
             <a:avLst/>
@@ -34129,7 +34133,7 @@
               <a:buNone/>
             </a:pPr>
             <a:r>
-              <a:rPr lang="en-BE" sz="2800" b="0" i="0" u="none" strike="noStrike" cap="none">
+              <a:rPr lang="en-BE" sz="3500" b="0" i="0" u="none" strike="noStrike" cap="none" dirty="0">
                 <a:solidFill>
                   <a:schemeClr val="dk1"/>
                 </a:solidFill>
@@ -34140,7 +34144,7 @@
               </a:rPr>
               <a:t>The question is</a:t>
             </a:r>
-            <a:endParaRPr/>
+            <a:endParaRPr sz="3500" dirty="0"/>
           </a:p>
           <a:p>
             <a:pPr marL="0" marR="0" lvl="0" indent="0" algn="ctr" rtl="0">
@@ -34158,7 +34162,7 @@
               <a:buNone/>
             </a:pPr>
             <a:r>
-              <a:rPr lang="en-BE" sz="2800">
+              <a:rPr lang="en-BE" sz="3500" dirty="0">
                 <a:solidFill>
                   <a:schemeClr val="dk1"/>
                 </a:solidFill>
@@ -34169,7 +34173,7 @@
               </a:rPr>
               <a:t>whether to use version control or not ?</a:t>
             </a:r>
-            <a:endParaRPr/>
+            <a:endParaRPr sz="3500" dirty="0"/>
           </a:p>
         </p:txBody>
       </p:sp>
@@ -34182,7 +34186,7 @@
         <p:spPr>
           <a:xfrm flipH="1">
             <a:off x="838198" y="3308796"/>
-            <a:ext cx="10515600" cy="1815900"/>
+            <a:ext cx="10515600" cy="2246729"/>
           </a:xfrm>
           <a:prstGeom prst="rect">
             <a:avLst/>
@@ -34208,7 +34212,7 @@
               <a:buNone/>
             </a:pPr>
             <a:r>
-              <a:rPr lang="en-BE" sz="2800">
+              <a:rPr lang="en-BE" sz="3500" dirty="0">
                 <a:solidFill>
                   <a:schemeClr val="dk1"/>
                 </a:solidFill>
@@ -34220,7 +34224,7 @@
               <a:t>The question is </a:t>
             </a:r>
             <a:r>
-              <a:rPr lang="en-BE" sz="2800" b="1">
+              <a:rPr lang="en-BE" sz="3500" b="1" dirty="0">
                 <a:solidFill>
                   <a:schemeClr val="dk1"/>
                 </a:solidFill>
@@ -34231,7 +34235,7 @@
               </a:rPr>
               <a:t>not</a:t>
             </a:r>
-            <a:endParaRPr/>
+            <a:endParaRPr sz="3500" dirty="0"/>
           </a:p>
           <a:p>
             <a:pPr marL="0" marR="0" lvl="0" indent="0" algn="ctr" rtl="0">
@@ -34249,7 +34253,7 @@
               <a:buNone/>
             </a:pPr>
             <a:r>
-              <a:rPr lang="en-BE" sz="2800">
+              <a:rPr lang="en-BE" sz="3500" dirty="0">
                 <a:solidFill>
                   <a:schemeClr val="dk1"/>
                 </a:solidFill>
@@ -34260,7 +34264,7 @@
               </a:rPr>
               <a:t>whether to use version control</a:t>
             </a:r>
-            <a:endParaRPr/>
+            <a:endParaRPr sz="3500" dirty="0"/>
           </a:p>
           <a:p>
             <a:pPr marL="0" marR="0" lvl="0" indent="0" algn="ctr" rtl="0">
@@ -34278,7 +34282,7 @@
               <a:buNone/>
             </a:pPr>
             <a:r>
-              <a:rPr lang="en-BE" sz="2800">
+              <a:rPr lang="en-BE" sz="3500" dirty="0">
                 <a:solidFill>
                   <a:schemeClr val="dk1"/>
                 </a:solidFill>
@@ -34290,7 +34294,7 @@
               <a:t>but </a:t>
             </a:r>
             <a:r>
-              <a:rPr lang="en-BE" sz="2800" b="1">
+              <a:rPr lang="en-BE" sz="3500" b="1" dirty="0">
                 <a:solidFill>
                   <a:schemeClr val="dk1"/>
                 </a:solidFill>
@@ -34302,7 +34306,7 @@
               <a:t>which VCS</a:t>
             </a:r>
             <a:r>
-              <a:rPr lang="en-BE" sz="2800">
+              <a:rPr lang="en-BE" sz="3500" dirty="0">
                 <a:solidFill>
                   <a:schemeClr val="dk1"/>
                 </a:solidFill>
@@ -34313,7 +34317,7 @@
               </a:rPr>
               <a:t> to use?</a:t>
             </a:r>
-            <a:endParaRPr/>
+            <a:endParaRPr sz="3500" dirty="0"/>
           </a:p>
           <a:p>
             <a:pPr marL="0" marR="0" lvl="0" indent="0" algn="l" rtl="0">
@@ -34325,7 +34329,7 @@
               </a:spcAft>
               <a:buNone/>
             </a:pPr>
-            <a:endParaRPr sz="2800">
+            <a:endParaRPr sz="3500" dirty="0">
               <a:solidFill>
                 <a:schemeClr val="dk1"/>
               </a:solidFill>
@@ -34527,10 +34531,10 @@
               <a:buNone/>
             </a:pPr>
             <a:r>
-              <a:rPr lang="en-BE"/>
+              <a:rPr lang="en-BE" sz="7200" dirty="0"/>
               <a:t>The “Git” Tool</a:t>
             </a:r>
-            <a:endParaRPr/>
+            <a:endParaRPr sz="7200" dirty="0"/>
           </a:p>
         </p:txBody>
       </p:sp>
@@ -34559,7 +34563,7 @@
         </p:spPr>
         <p:txBody>
           <a:bodyPr spcFirstLastPara="1" wrap="square" lIns="91425" tIns="45700" rIns="91425" bIns="45700" anchor="t" anchorCtr="0">
-            <a:normAutofit/>
+            <a:noAutofit/>
           </a:bodyPr>
           <a:lstStyle/>
           <a:p>
@@ -34581,11 +34585,11 @@
               <a:buChar char="•"/>
             </a:pPr>
             <a:r>
-              <a:rPr lang="en-BE" dirty="0"/>
+              <a:rPr lang="en-BE" sz="3500" dirty="0"/>
               <a:t>What is it?</a:t>
             </a:r>
             <a:r>
-              <a:rPr dirty="0"/>
+              <a:rPr sz="3500" dirty="0"/>
               <a:t> </a:t>
             </a:r>
           </a:p>
@@ -34608,10 +34612,10 @@
               <a:buChar char="•"/>
             </a:pPr>
             <a:r>
-              <a:rPr lang="en-BE" dirty="0"/>
+              <a:rPr lang="en-BE" sz="3500" dirty="0"/>
               <a:t>How does it work?</a:t>
             </a:r>
-            <a:endParaRPr lang="en-US" dirty="0"/>
+            <a:endParaRPr lang="en-US" sz="3500" dirty="0"/>
           </a:p>
           <a:p>
             <a:pPr marL="342900" lvl="0" indent="-342900" algn="l" rtl="0">
@@ -34632,7 +34636,7 @@
               <a:buChar char="•"/>
             </a:pPr>
             <a:r>
-              <a:rPr lang="en-US" dirty="0"/>
+              <a:rPr lang="en-US" sz="3500" dirty="0"/>
               <a:t>Why should you use it?</a:t>
             </a:r>
           </a:p>
@@ -34710,10 +34714,10 @@
               <a:buNone/>
             </a:pPr>
             <a:r>
-              <a:rPr lang="en-BE"/>
+              <a:rPr lang="en-BE" sz="6000" dirty="0"/>
               <a:t>What is it?</a:t>
             </a:r>
-            <a:endParaRPr/>
+            <a:endParaRPr sz="6000" dirty="0"/>
           </a:p>
         </p:txBody>
       </p:sp>
@@ -34763,10 +34767,10 @@
               <a:buChar char="•"/>
             </a:pPr>
             <a:r>
-              <a:rPr lang="en-BE" dirty="0"/>
+              <a:rPr lang="en-BE" sz="3500" dirty="0"/>
               <a:t>Version Control System (VCS)</a:t>
             </a:r>
-            <a:endParaRPr dirty="0"/>
+            <a:endParaRPr sz="3500" dirty="0"/>
           </a:p>
           <a:p>
             <a:pPr marL="228600" lvl="0" indent="-228600" algn="l" rtl="0">
@@ -34786,10 +34790,10 @@
               <a:buChar char="•"/>
             </a:pPr>
             <a:r>
-              <a:rPr lang="en-BE" dirty="0"/>
+              <a:rPr lang="en-BE" sz="3500" dirty="0"/>
               <a:t>Most widely used</a:t>
             </a:r>
-            <a:endParaRPr dirty="0"/>
+            <a:endParaRPr sz="3500" dirty="0"/>
           </a:p>
           <a:p>
             <a:pPr marL="228600" lvl="0" indent="-228600" algn="l" rtl="0">
@@ -34809,10 +34813,10 @@
               <a:buChar char="•"/>
             </a:pPr>
             <a:r>
-              <a:rPr lang="en-BE" dirty="0"/>
+              <a:rPr lang="en-BE" sz="3500" dirty="0"/>
               <a:t>Actively maintained</a:t>
             </a:r>
-            <a:endParaRPr dirty="0"/>
+            <a:endParaRPr sz="3500" dirty="0"/>
           </a:p>
           <a:p>
             <a:pPr marL="228600" lvl="0" indent="-228600" algn="l" rtl="0">
@@ -34832,10 +34836,10 @@
               <a:buChar char="•"/>
             </a:pPr>
             <a:r>
-              <a:rPr lang="en-BE" dirty="0"/>
+              <a:rPr lang="en-BE" sz="3500" dirty="0"/>
               <a:t>Open source</a:t>
             </a:r>
-            <a:endParaRPr dirty="0"/>
+            <a:endParaRPr sz="3500" dirty="0"/>
           </a:p>
           <a:p>
             <a:pPr marL="228600" lvl="0" indent="-228600" algn="l" rtl="0">
@@ -34855,10 +34859,10 @@
               <a:buChar char="•"/>
             </a:pPr>
             <a:r>
-              <a:rPr lang="en-BE" dirty="0"/>
+              <a:rPr lang="en-BE" sz="3500" dirty="0"/>
               <a:t>Distributed</a:t>
             </a:r>
-            <a:endParaRPr dirty="0"/>
+            <a:endParaRPr sz="3500" dirty="0"/>
           </a:p>
           <a:p>
             <a:pPr marL="228600" lvl="0" indent="-228600" algn="l" rtl="0">
@@ -34878,10 +34882,10 @@
               <a:buChar char="•"/>
             </a:pPr>
             <a:r>
-              <a:rPr lang="en-BE" dirty="0"/>
+              <a:rPr lang="en-BE" sz="3500" dirty="0"/>
               <a:t>Developed in 2005</a:t>
             </a:r>
-            <a:endParaRPr dirty="0"/>
+            <a:endParaRPr sz="3500" dirty="0"/>
           </a:p>
           <a:p>
             <a:pPr marL="228600" lvl="0" indent="-228600" algn="l" rtl="0">
@@ -34901,10 +34905,10 @@
               <a:buChar char="•"/>
             </a:pPr>
             <a:r>
-              <a:rPr lang="en-BE" dirty="0"/>
+              <a:rPr lang="en-BE" sz="3500" dirty="0"/>
               <a:t>By Linus Torvalds</a:t>
             </a:r>
-            <a:endParaRPr dirty="0"/>
+            <a:endParaRPr sz="3500" dirty="0"/>
           </a:p>
           <a:p>
             <a:pPr marL="228600" lvl="0" indent="-50800" algn="l" rtl="0">
@@ -34923,7 +34927,7 @@
               <a:buSzPts val="2800"/>
               <a:buNone/>
             </a:pPr>
-            <a:endParaRPr dirty="0"/>
+            <a:endParaRPr sz="3500" dirty="0"/>
           </a:p>
           <a:p>
             <a:pPr marL="228600" lvl="0" indent="-50800" algn="l" rtl="0">
@@ -34942,7 +34946,7 @@
               <a:buSzPts val="2800"/>
               <a:buNone/>
             </a:pPr>
-            <a:endParaRPr dirty="0"/>
+            <a:endParaRPr sz="3500" dirty="0"/>
           </a:p>
           <a:p>
             <a:pPr marL="228600" lvl="0" indent="-50800" algn="l" rtl="0">
@@ -34961,7 +34965,7 @@
               <a:buSzPts val="2800"/>
               <a:buNone/>
             </a:pPr>
-            <a:endParaRPr dirty="0"/>
+            <a:endParaRPr sz="3500" dirty="0"/>
           </a:p>
         </p:txBody>
       </p:sp>
